--- a/Presentation PROJECT.pptx
+++ b/Presentation PROJECT.pptx
@@ -5,7 +5,7 @@
     <p:sldMasterId id="2147483660" r:id="rId1"/>
   </p:sldMasterIdLst>
   <p:notesMasterIdLst>
-    <p:notesMasterId r:id="rId10"/>
+    <p:notesMasterId r:id="rId15"/>
   </p:notesMasterIdLst>
   <p:sldIdLst>
     <p:sldId id="256" r:id="rId2"/>
@@ -14,8 +14,13 @@
     <p:sldId id="259" r:id="rId5"/>
     <p:sldId id="260" r:id="rId6"/>
     <p:sldId id="261" r:id="rId7"/>
-    <p:sldId id="263" r:id="rId8"/>
-    <p:sldId id="262" r:id="rId9"/>
+    <p:sldId id="267" r:id="rId8"/>
+    <p:sldId id="265" r:id="rId9"/>
+    <p:sldId id="266" r:id="rId10"/>
+    <p:sldId id="262" r:id="rId11"/>
+    <p:sldId id="263" r:id="rId12"/>
+    <p:sldId id="264" r:id="rId13"/>
+    <p:sldId id="268" r:id="rId14"/>
   </p:sldIdLst>
   <p:sldSz cx="12192000" cy="6858000"/>
   <p:notesSz cx="6858000" cy="9144000"/>
@@ -6231,6 +6236,533 @@
 </p:sld>
 </file>
 
+<file path=ppt/slides/slide10.xml><?xml version="1.0" encoding="utf-8"?>
+<p:sld xmlns:a="http://schemas.openxmlformats.org/drawingml/2006/main" xmlns:r="http://schemas.openxmlformats.org/officeDocument/2006/relationships" xmlns:p="http://schemas.openxmlformats.org/presentationml/2006/main">
+  <p:cSld>
+    <p:spTree>
+      <p:nvGrpSpPr>
+        <p:cNvPr id="1" name=""/>
+        <p:cNvGrpSpPr/>
+        <p:nvPr/>
+      </p:nvGrpSpPr>
+      <p:grpSpPr>
+        <a:xfrm>
+          <a:off x="0" y="0"/>
+          <a:ext cx="0" cy="0"/>
+          <a:chOff x="0" y="0"/>
+          <a:chExt cx="0" cy="0"/>
+        </a:xfrm>
+      </p:grpSpPr>
+      <p:sp>
+        <p:nvSpPr>
+          <p:cNvPr id="2" name="Title 1">
+            <a:extLst>
+              <a:ext uri="{FF2B5EF4-FFF2-40B4-BE49-F238E27FC236}">
+                <a16:creationId xmlns:a16="http://schemas.microsoft.com/office/drawing/2014/main" id="{8DC7BB94-3E4F-41EC-9DBB-DF110A6DA4A5}"/>
+              </a:ext>
+            </a:extLst>
+          </p:cNvPr>
+          <p:cNvSpPr>
+            <a:spLocks noGrp="1"/>
+          </p:cNvSpPr>
+          <p:nvPr>
+            <p:ph type="title"/>
+          </p:nvPr>
+        </p:nvSpPr>
+        <p:spPr>
+          <a:xfrm>
+            <a:off x="685799" y="563562"/>
+            <a:ext cx="10820399" cy="1293028"/>
+          </a:xfrm>
+        </p:spPr>
+        <p:txBody>
+          <a:bodyPr/>
+          <a:lstStyle/>
+          <a:p>
+            <a:pPr algn="ctr"/>
+            <a:r>
+              <a:rPr lang="en-US" dirty="0"/>
+              <a:t>Proposed system</a:t>
+            </a:r>
+          </a:p>
+        </p:txBody>
+      </p:sp>
+      <p:pic>
+        <p:nvPicPr>
+          <p:cNvPr id="6" name="Content Placeholder 5">
+            <a:extLst>
+              <a:ext uri="{FF2B5EF4-FFF2-40B4-BE49-F238E27FC236}">
+                <a16:creationId xmlns:a16="http://schemas.microsoft.com/office/drawing/2014/main" id="{E2441F22-C0B4-9A30-427E-1B424444711B}"/>
+              </a:ext>
+            </a:extLst>
+          </p:cNvPr>
+          <p:cNvPicPr>
+            <a:picLocks noGrp="1" noChangeAspect="1"/>
+          </p:cNvPicPr>
+          <p:nvPr>
+            <p:ph idx="1"/>
+          </p:nvPr>
+        </p:nvPicPr>
+        <p:blipFill>
+          <a:blip r:embed="rId2">
+            <a:extLst>
+              <a:ext uri="{28A0092B-C50C-407E-A947-70E740481C1C}">
+                <a14:useLocalDpi xmlns:a14="http://schemas.microsoft.com/office/drawing/2010/main" val="0"/>
+              </a:ext>
+            </a:extLst>
+          </a:blip>
+          <a:stretch>
+            <a:fillRect/>
+          </a:stretch>
+        </p:blipFill>
+        <p:spPr>
+          <a:xfrm>
+            <a:off x="2031320" y="1856590"/>
+            <a:ext cx="7899816" cy="4560701"/>
+          </a:xfrm>
+        </p:spPr>
+      </p:pic>
+      <p:sp>
+        <p:nvSpPr>
+          <p:cNvPr id="4" name="Slide Number Placeholder 3">
+            <a:extLst>
+              <a:ext uri="{FF2B5EF4-FFF2-40B4-BE49-F238E27FC236}">
+                <a16:creationId xmlns:a16="http://schemas.microsoft.com/office/drawing/2014/main" id="{13A36BC1-6E1D-99D4-29A4-3FD452FB49FB}"/>
+              </a:ext>
+            </a:extLst>
+          </p:cNvPr>
+          <p:cNvSpPr>
+            <a:spLocks noGrp="1"/>
+          </p:cNvSpPr>
+          <p:nvPr>
+            <p:ph type="sldNum" sz="quarter" idx="12"/>
+          </p:nvPr>
+        </p:nvSpPr>
+        <p:spPr>
+          <a:xfrm>
+            <a:off x="10739535" y="6417291"/>
+            <a:ext cx="1018592" cy="365125"/>
+          </a:xfrm>
+        </p:spPr>
+        <p:txBody>
+          <a:bodyPr/>
+          <a:lstStyle/>
+          <a:p>
+            <a:fld id="{7153B590-63E1-4C27-B51A-4C6C22735D02}" type="slidenum">
+              <a:rPr lang="en-US" sz="1600" smtClean="0"/>
+              <a:t>10</a:t>
+            </a:fld>
+            <a:endParaRPr lang="en-US" sz="1600" dirty="0"/>
+          </a:p>
+        </p:txBody>
+      </p:sp>
+    </p:spTree>
+    <p:extLst>
+      <p:ext uri="{BB962C8B-B14F-4D97-AF65-F5344CB8AC3E}">
+        <p14:creationId xmlns:p14="http://schemas.microsoft.com/office/powerpoint/2010/main" val="3410539941"/>
+      </p:ext>
+    </p:extLst>
+  </p:cSld>
+  <p:clrMapOvr>
+    <a:masterClrMapping/>
+  </p:clrMapOvr>
+</p:sld>
+</file>
+
+<file path=ppt/slides/slide11.xml><?xml version="1.0" encoding="utf-8"?>
+<p:sld xmlns:a="http://schemas.openxmlformats.org/drawingml/2006/main" xmlns:r="http://schemas.openxmlformats.org/officeDocument/2006/relationships" xmlns:p="http://schemas.openxmlformats.org/presentationml/2006/main">
+  <p:cSld>
+    <p:spTree>
+      <p:nvGrpSpPr>
+        <p:cNvPr id="1" name=""/>
+        <p:cNvGrpSpPr/>
+        <p:nvPr/>
+      </p:nvGrpSpPr>
+      <p:grpSpPr>
+        <a:xfrm>
+          <a:off x="0" y="0"/>
+          <a:ext cx="0" cy="0"/>
+          <a:chOff x="0" y="0"/>
+          <a:chExt cx="0" cy="0"/>
+        </a:xfrm>
+      </p:grpSpPr>
+      <p:sp>
+        <p:nvSpPr>
+          <p:cNvPr id="2" name="Title 1">
+            <a:extLst>
+              <a:ext uri="{FF2B5EF4-FFF2-40B4-BE49-F238E27FC236}">
+                <a16:creationId xmlns:a16="http://schemas.microsoft.com/office/drawing/2014/main" id="{30EC4C07-B46A-98CD-9F37-E386F2C85C04}"/>
+              </a:ext>
+            </a:extLst>
+          </p:cNvPr>
+          <p:cNvSpPr>
+            <a:spLocks noGrp="1"/>
+          </p:cNvSpPr>
+          <p:nvPr>
+            <p:ph type="title"/>
+          </p:nvPr>
+        </p:nvSpPr>
+        <p:spPr>
+          <a:xfrm>
+            <a:off x="685800" y="764373"/>
+            <a:ext cx="10820400" cy="1293028"/>
+          </a:xfrm>
+        </p:spPr>
+        <p:txBody>
+          <a:bodyPr/>
+          <a:lstStyle/>
+          <a:p>
+            <a:pPr algn="ctr"/>
+            <a:r>
+              <a:rPr lang="en-US" dirty="0"/>
+              <a:t>PROPOSED SYSTEM</a:t>
+            </a:r>
+          </a:p>
+        </p:txBody>
+      </p:sp>
+      <p:sp>
+        <p:nvSpPr>
+          <p:cNvPr id="3" name="Content Placeholder 2">
+            <a:extLst>
+              <a:ext uri="{FF2B5EF4-FFF2-40B4-BE49-F238E27FC236}">
+                <a16:creationId xmlns:a16="http://schemas.microsoft.com/office/drawing/2014/main" id="{1DEDC49F-57D2-A00A-2D17-7250E388B62E}"/>
+              </a:ext>
+            </a:extLst>
+          </p:cNvPr>
+          <p:cNvSpPr>
+            <a:spLocks noGrp="1"/>
+          </p:cNvSpPr>
+          <p:nvPr>
+            <p:ph idx="1"/>
+          </p:nvPr>
+        </p:nvSpPr>
+        <p:spPr/>
+        <p:txBody>
+          <a:bodyPr/>
+          <a:lstStyle/>
+          <a:p>
+            <a:r>
+              <a:rPr lang="en-US" dirty="0"/>
+              <a:t>(</a:t>
+            </a:r>
+            <a:r>
+              <a:rPr lang="en-US" dirty="0" err="1"/>
+              <a:t>i</a:t>
+            </a:r>
+            <a:r>
+              <a:rPr lang="en-US" dirty="0"/>
+              <a:t>) Registration of User: assigns a unique ID to every user. The way to create unique IDs is discretion of the government body.</a:t>
+            </a:r>
+          </a:p>
+          <a:p>
+            <a:r>
+              <a:rPr lang="en-US" dirty="0"/>
+              <a:t>(ii) Sign-up and Login of User: allows users to undergo one-time sign-up process which would ease future logins.</a:t>
+            </a:r>
+          </a:p>
+          <a:p>
+            <a:r>
+              <a:rPr lang="en-US" dirty="0"/>
+              <a:t>(iii) Enrollment of Student: happens at the time of admission.</a:t>
+            </a:r>
+          </a:p>
+          <a:p>
+            <a:r>
+              <a:rPr lang="en-US" dirty="0"/>
+              <a:t>(iv) Uploading of Credential: by school or company or professor.</a:t>
+            </a:r>
+          </a:p>
+          <a:p>
+            <a:r>
+              <a:rPr lang="en-US" dirty="0"/>
+              <a:t>(v) Retrieval and Viewing of Credential: enables students to retrieve their credentials.</a:t>
+            </a:r>
+          </a:p>
+          <a:p>
+            <a:r>
+              <a:rPr lang="en-US" dirty="0"/>
+              <a:t>(vi) Searching Student Information: facilitates stakeholders to search student’s information</a:t>
+            </a:r>
+          </a:p>
+        </p:txBody>
+      </p:sp>
+      <p:sp>
+        <p:nvSpPr>
+          <p:cNvPr id="4" name="Slide Number Placeholder 3">
+            <a:extLst>
+              <a:ext uri="{FF2B5EF4-FFF2-40B4-BE49-F238E27FC236}">
+                <a16:creationId xmlns:a16="http://schemas.microsoft.com/office/drawing/2014/main" id="{56755429-3E13-544D-187A-D9B84916B36D}"/>
+              </a:ext>
+            </a:extLst>
+          </p:cNvPr>
+          <p:cNvSpPr>
+            <a:spLocks noGrp="1"/>
+          </p:cNvSpPr>
+          <p:nvPr>
+            <p:ph type="sldNum" sz="quarter" idx="12"/>
+          </p:nvPr>
+        </p:nvSpPr>
+        <p:spPr>
+          <a:xfrm>
+            <a:off x="9098902" y="6173281"/>
+            <a:ext cx="2743200" cy="365125"/>
+          </a:xfrm>
+        </p:spPr>
+        <p:txBody>
+          <a:bodyPr/>
+          <a:lstStyle/>
+          <a:p>
+            <a:fld id="{7153B590-63E1-4C27-B51A-4C6C22735D02}" type="slidenum">
+              <a:rPr lang="en-US" sz="1600" smtClean="0"/>
+              <a:t>11</a:t>
+            </a:fld>
+            <a:endParaRPr lang="en-US" sz="1600" dirty="0"/>
+          </a:p>
+        </p:txBody>
+      </p:sp>
+    </p:spTree>
+    <p:extLst>
+      <p:ext uri="{BB962C8B-B14F-4D97-AF65-F5344CB8AC3E}">
+        <p14:creationId xmlns:p14="http://schemas.microsoft.com/office/powerpoint/2010/main" val="2784253771"/>
+      </p:ext>
+    </p:extLst>
+  </p:cSld>
+  <p:clrMapOvr>
+    <a:masterClrMapping/>
+  </p:clrMapOvr>
+</p:sld>
+</file>
+
+<file path=ppt/slides/slide12.xml><?xml version="1.0" encoding="utf-8"?>
+<p:sld xmlns:a="http://schemas.openxmlformats.org/drawingml/2006/main" xmlns:r="http://schemas.openxmlformats.org/officeDocument/2006/relationships" xmlns:p="http://schemas.openxmlformats.org/presentationml/2006/main">
+  <p:cSld>
+    <p:spTree>
+      <p:nvGrpSpPr>
+        <p:cNvPr id="1" name=""/>
+        <p:cNvGrpSpPr/>
+        <p:nvPr/>
+      </p:nvGrpSpPr>
+      <p:grpSpPr>
+        <a:xfrm>
+          <a:off x="0" y="0"/>
+          <a:ext cx="0" cy="0"/>
+          <a:chOff x="0" y="0"/>
+          <a:chExt cx="0" cy="0"/>
+        </a:xfrm>
+      </p:grpSpPr>
+      <p:sp>
+        <p:nvSpPr>
+          <p:cNvPr id="2" name="Title 1">
+            <a:extLst>
+              <a:ext uri="{FF2B5EF4-FFF2-40B4-BE49-F238E27FC236}">
+                <a16:creationId xmlns:a16="http://schemas.microsoft.com/office/drawing/2014/main" id="{FF04BE3D-9D17-3691-5E45-DEA88CBFBEA7}"/>
+              </a:ext>
+            </a:extLst>
+          </p:cNvPr>
+          <p:cNvSpPr>
+            <a:spLocks noGrp="1"/>
+          </p:cNvSpPr>
+          <p:nvPr>
+            <p:ph type="title"/>
+          </p:nvPr>
+        </p:nvSpPr>
+        <p:spPr>
+          <a:xfrm>
+            <a:off x="685800" y="764373"/>
+            <a:ext cx="10820400" cy="1293028"/>
+          </a:xfrm>
+        </p:spPr>
+        <p:txBody>
+          <a:bodyPr/>
+          <a:lstStyle/>
+          <a:p>
+            <a:pPr algn="ctr"/>
+            <a:r>
+              <a:rPr lang="en-US" dirty="0"/>
+              <a:t>PROPOSED SYSTEM</a:t>
+            </a:r>
+          </a:p>
+        </p:txBody>
+      </p:sp>
+      <p:sp>
+        <p:nvSpPr>
+          <p:cNvPr id="3" name="Content Placeholder 2">
+            <a:extLst>
+              <a:ext uri="{FF2B5EF4-FFF2-40B4-BE49-F238E27FC236}">
+                <a16:creationId xmlns:a16="http://schemas.microsoft.com/office/drawing/2014/main" id="{E1F5B710-AC30-94B3-6E39-568B9A5B0355}"/>
+              </a:ext>
+            </a:extLst>
+          </p:cNvPr>
+          <p:cNvSpPr>
+            <a:spLocks noGrp="1"/>
+          </p:cNvSpPr>
+          <p:nvPr>
+            <p:ph idx="1"/>
+          </p:nvPr>
+        </p:nvSpPr>
+        <p:spPr/>
+        <p:txBody>
+          <a:bodyPr/>
+          <a:lstStyle/>
+          <a:p>
+            <a:r>
+              <a:rPr lang="en-US" dirty="0"/>
+              <a:t>(vii) Sending Access Request: allows schools, professors and companies to send access request to students to view their credentials.</a:t>
+            </a:r>
+          </a:p>
+          <a:p>
+            <a:r>
+              <a:rPr lang="en-US" dirty="0"/>
+              <a:t>(viii) Granting Access Right: empowers students to approve the received access requests. </a:t>
+            </a:r>
+          </a:p>
+        </p:txBody>
+      </p:sp>
+      <p:sp>
+        <p:nvSpPr>
+          <p:cNvPr id="4" name="Slide Number Placeholder 3">
+            <a:extLst>
+              <a:ext uri="{FF2B5EF4-FFF2-40B4-BE49-F238E27FC236}">
+                <a16:creationId xmlns:a16="http://schemas.microsoft.com/office/drawing/2014/main" id="{71230860-CB1E-28FA-B7F5-5F38B642D426}"/>
+              </a:ext>
+            </a:extLst>
+          </p:cNvPr>
+          <p:cNvSpPr>
+            <a:spLocks noGrp="1"/>
+          </p:cNvSpPr>
+          <p:nvPr>
+            <p:ph type="sldNum" sz="quarter" idx="12"/>
+          </p:nvPr>
+        </p:nvSpPr>
+        <p:spPr>
+          <a:xfrm>
+            <a:off x="9145555" y="6173281"/>
+            <a:ext cx="2743200" cy="365125"/>
+          </a:xfrm>
+        </p:spPr>
+        <p:txBody>
+          <a:bodyPr/>
+          <a:lstStyle/>
+          <a:p>
+            <a:fld id="{7153B590-63E1-4C27-B51A-4C6C22735D02}" type="slidenum">
+              <a:rPr lang="en-US" sz="1600" smtClean="0"/>
+              <a:t>12</a:t>
+            </a:fld>
+            <a:endParaRPr lang="en-US" sz="1600" dirty="0"/>
+          </a:p>
+        </p:txBody>
+      </p:sp>
+    </p:spTree>
+    <p:extLst>
+      <p:ext uri="{BB962C8B-B14F-4D97-AF65-F5344CB8AC3E}">
+        <p14:creationId xmlns:p14="http://schemas.microsoft.com/office/powerpoint/2010/main" val="4159697758"/>
+      </p:ext>
+    </p:extLst>
+  </p:cSld>
+  <p:clrMapOvr>
+    <a:masterClrMapping/>
+  </p:clrMapOvr>
+</p:sld>
+</file>
+
+<file path=ppt/slides/slide13.xml><?xml version="1.0" encoding="utf-8"?>
+<p:sld xmlns:a="http://schemas.openxmlformats.org/drawingml/2006/main" xmlns:r="http://schemas.openxmlformats.org/officeDocument/2006/relationships" xmlns:p="http://schemas.openxmlformats.org/presentationml/2006/main">
+  <p:cSld>
+    <p:spTree>
+      <p:nvGrpSpPr>
+        <p:cNvPr id="1" name=""/>
+        <p:cNvGrpSpPr/>
+        <p:nvPr/>
+      </p:nvGrpSpPr>
+      <p:grpSpPr>
+        <a:xfrm>
+          <a:off x="0" y="0"/>
+          <a:ext cx="0" cy="0"/>
+          <a:chOff x="0" y="0"/>
+          <a:chExt cx="0" cy="0"/>
+        </a:xfrm>
+      </p:grpSpPr>
+      <p:sp>
+        <p:nvSpPr>
+          <p:cNvPr id="2" name="Title 1">
+            <a:extLst>
+              <a:ext uri="{FF2B5EF4-FFF2-40B4-BE49-F238E27FC236}">
+                <a16:creationId xmlns:a16="http://schemas.microsoft.com/office/drawing/2014/main" id="{9829A559-0753-5044-C58A-4DE3826799C3}"/>
+              </a:ext>
+            </a:extLst>
+          </p:cNvPr>
+          <p:cNvSpPr>
+            <a:spLocks noGrp="1"/>
+          </p:cNvSpPr>
+          <p:nvPr>
+            <p:ph type="title"/>
+          </p:nvPr>
+        </p:nvSpPr>
+        <p:spPr>
+          <a:xfrm>
+            <a:off x="1673288" y="2910413"/>
+            <a:ext cx="8814319" cy="1293028"/>
+          </a:xfrm>
+        </p:spPr>
+        <p:txBody>
+          <a:bodyPr/>
+          <a:lstStyle/>
+          <a:p>
+            <a:pPr algn="ctr"/>
+            <a:r>
+              <a:rPr lang="en-US" dirty="0"/>
+              <a:t>THANK YOU</a:t>
+            </a:r>
+          </a:p>
+        </p:txBody>
+      </p:sp>
+      <p:sp>
+        <p:nvSpPr>
+          <p:cNvPr id="3" name="Slide Number Placeholder 2">
+            <a:extLst>
+              <a:ext uri="{FF2B5EF4-FFF2-40B4-BE49-F238E27FC236}">
+                <a16:creationId xmlns:a16="http://schemas.microsoft.com/office/drawing/2014/main" id="{EA13FA2D-C8CE-DEDC-04A7-14CDDAF56842}"/>
+              </a:ext>
+            </a:extLst>
+          </p:cNvPr>
+          <p:cNvSpPr>
+            <a:spLocks noGrp="1"/>
+          </p:cNvSpPr>
+          <p:nvPr>
+            <p:ph type="sldNum" sz="quarter" idx="12"/>
+          </p:nvPr>
+        </p:nvSpPr>
+        <p:spPr>
+          <a:xfrm>
+            <a:off x="9116007" y="6193972"/>
+            <a:ext cx="2743200" cy="365125"/>
+          </a:xfrm>
+        </p:spPr>
+        <p:txBody>
+          <a:bodyPr/>
+          <a:lstStyle/>
+          <a:p>
+            <a:fld id="{7153B590-63E1-4C27-B51A-4C6C22735D02}" type="slidenum">
+              <a:rPr lang="en-US" sz="1600" smtClean="0"/>
+              <a:t>13</a:t>
+            </a:fld>
+            <a:endParaRPr lang="en-US" sz="1600" dirty="0"/>
+          </a:p>
+        </p:txBody>
+      </p:sp>
+    </p:spTree>
+    <p:extLst>
+      <p:ext uri="{BB962C8B-B14F-4D97-AF65-F5344CB8AC3E}">
+        <p14:creationId xmlns:p14="http://schemas.microsoft.com/office/powerpoint/2010/main" val="785845646"/>
+      </p:ext>
+    </p:extLst>
+  </p:cSld>
+  <p:clrMapOvr>
+    <a:masterClrMapping/>
+  </p:clrMapOvr>
+</p:sld>
+</file>
+
 <file path=ppt/slides/slide2.xml><?xml version="1.0" encoding="utf-8"?>
 <p:sld xmlns:a="http://schemas.openxmlformats.org/drawingml/2006/main" xmlns:r="http://schemas.openxmlformats.org/officeDocument/2006/relationships" xmlns:p="http://schemas.openxmlformats.org/presentationml/2006/main">
   <p:cSld>
@@ -6510,16 +7042,7 @@
             </a:pPr>
             <a:r>
               <a:rPr lang="en-US" dirty="0"/>
-              <a:t>2) INTRODUCTION</a:t>
-            </a:r>
-          </a:p>
-          <a:p>
-            <a:pPr marL="0" indent="0">
-              <a:buNone/>
-            </a:pPr>
-            <a:r>
-              <a:rPr lang="en-US" dirty="0"/>
-              <a:t>3) SRS</a:t>
+              <a:t>2) SRS</a:t>
             </a:r>
           </a:p>
         </p:txBody>
@@ -6768,7 +7291,7 @@
         <p:spPr>
           <a:xfrm>
             <a:off x="685800" y="764373"/>
-            <a:ext cx="10820400" cy="1293028"/>
+            <a:ext cx="10820400" cy="840492"/>
           </a:xfrm>
         </p:spPr>
         <p:txBody>
@@ -6778,7 +7301,7 @@
             <a:pPr algn="ctr"/>
             <a:r>
               <a:rPr lang="en-US" dirty="0"/>
-              <a:t>INTRODUCTION</a:t>
+              <a:t>SRS</a:t>
             </a:r>
           </a:p>
         </p:txBody>
@@ -6799,10 +7322,30 @@
             <p:ph idx="1"/>
           </p:nvPr>
         </p:nvSpPr>
-        <p:spPr/>
-        <p:txBody>
-          <a:bodyPr/>
-          <a:lstStyle/>
+        <p:spPr>
+          <a:xfrm>
+            <a:off x="685800" y="1782147"/>
+            <a:ext cx="10820400" cy="4573697"/>
+          </a:xfrm>
+        </p:spPr>
+        <p:txBody>
+          <a:bodyPr/>
+          <a:lstStyle/>
+          <a:p>
+            <a:pPr marL="0" indent="0">
+              <a:buNone/>
+            </a:pPr>
+            <a:r>
+              <a:rPr lang="en-US" sz="2800" u="sng" dirty="0"/>
+              <a:t>INTRODUCTION</a:t>
+            </a:r>
+          </a:p>
+          <a:p>
+            <a:pPr marL="0" indent="0">
+              <a:buNone/>
+            </a:pPr>
+            <a:endParaRPr lang="en-US" sz="2800" u="sng" dirty="0"/>
+          </a:p>
           <a:p>
             <a:r>
               <a:rPr lang="en-US" dirty="0"/>
@@ -6951,7 +7494,12 @@
             <p:ph idx="1"/>
           </p:nvPr>
         </p:nvSpPr>
-        <p:spPr/>
+        <p:spPr>
+          <a:xfrm>
+            <a:off x="685800" y="2057401"/>
+            <a:ext cx="10820400" cy="4161284"/>
+          </a:xfrm>
+        </p:spPr>
         <p:txBody>
           <a:bodyPr/>
           <a:lstStyle/>
@@ -6976,32 +7524,32 @@
           </a:p>
           <a:p>
             <a:r>
-              <a:rPr lang="en-US" sz="2800" u="sng" dirty="0"/>
+              <a:rPr lang="en-US" dirty="0"/>
               <a:t>Web3js</a:t>
             </a:r>
           </a:p>
           <a:p>
             <a:r>
-              <a:rPr lang="en-US" sz="2800" u="sng" dirty="0" err="1"/>
+              <a:rPr lang="en-US" dirty="0" err="1"/>
               <a:t>Metamask</a:t>
             </a:r>
-            <a:endParaRPr lang="en-US" sz="2800" u="sng" dirty="0"/>
-          </a:p>
-          <a:p>
-            <a:r>
-              <a:rPr lang="en-US" sz="2800" u="sng" dirty="0"/>
+            <a:endParaRPr lang="en-US" dirty="0"/>
+          </a:p>
+          <a:p>
+            <a:r>
+              <a:rPr lang="en-US" dirty="0"/>
               <a:t>Solidity</a:t>
             </a:r>
           </a:p>
           <a:p>
             <a:r>
-              <a:rPr lang="en-US" sz="2800" u="sng" dirty="0"/>
+              <a:rPr lang="en-US" dirty="0"/>
               <a:t>React</a:t>
             </a:r>
           </a:p>
           <a:p>
             <a:r>
-              <a:rPr lang="en-US" sz="2800" u="sng" dirty="0"/>
+              <a:rPr lang="en-US" dirty="0"/>
               <a:t>node.js</a:t>
             </a:r>
           </a:p>
@@ -7023,16 +7571,21 @@
             <p:ph type="sldNum" sz="quarter" idx="12"/>
           </p:nvPr>
         </p:nvSpPr>
-        <p:spPr/>
+        <p:spPr>
+          <a:xfrm>
+            <a:off x="9126894" y="6218685"/>
+            <a:ext cx="2743200" cy="365125"/>
+          </a:xfrm>
+        </p:spPr>
         <p:txBody>
           <a:bodyPr/>
           <a:lstStyle/>
           <a:p>
             <a:fld id="{7153B590-63E1-4C27-B51A-4C6C22735D02}" type="slidenum">
-              <a:rPr lang="en-US" smtClean="0"/>
+              <a:rPr lang="en-US" sz="1600" smtClean="0"/>
               <a:t>6</a:t>
             </a:fld>
-            <a:endParaRPr lang="en-US"/>
+            <a:endParaRPr lang="en-US" sz="1600" dirty="0"/>
           </a:p>
         </p:txBody>
       </p:sp>
@@ -7071,7 +7624,7 @@
           <p:cNvPr id="2" name="Title 1">
             <a:extLst>
               <a:ext uri="{FF2B5EF4-FFF2-40B4-BE49-F238E27FC236}">
-                <a16:creationId xmlns:a16="http://schemas.microsoft.com/office/drawing/2014/main" id="{861E3BB6-D2C2-D72B-7463-43DACBF77B8A}"/>
+                <a16:creationId xmlns:a16="http://schemas.microsoft.com/office/drawing/2014/main" id="{972414B4-E788-8B53-78E1-3FAC00C352E2}"/>
               </a:ext>
             </a:extLst>
           </p:cNvPr>
@@ -7084,7 +7637,7 @@
         </p:nvSpPr>
         <p:spPr>
           <a:xfrm>
-            <a:off x="685800" y="746125"/>
+            <a:off x="685800" y="563562"/>
             <a:ext cx="10820400" cy="1293028"/>
           </a:xfrm>
         </p:spPr>
@@ -7092,7 +7645,11 @@
           <a:bodyPr/>
           <a:lstStyle/>
           <a:p>
-            <a:endParaRPr lang="en-US"/>
+            <a:pPr algn="ctr"/>
+            <a:r>
+              <a:rPr lang="en-US" dirty="0"/>
+              <a:t>SRS</a:t>
+            </a:r>
           </a:p>
         </p:txBody>
       </p:sp>
@@ -7101,7 +7658,7 @@
           <p:cNvPr id="3" name="Content Placeholder 2">
             <a:extLst>
               <a:ext uri="{FF2B5EF4-FFF2-40B4-BE49-F238E27FC236}">
-                <a16:creationId xmlns:a16="http://schemas.microsoft.com/office/drawing/2014/main" id="{8D39C31B-CB64-2682-9306-8611F39CE68C}"/>
+                <a16:creationId xmlns:a16="http://schemas.microsoft.com/office/drawing/2014/main" id="{6732CC4C-BD08-FEB3-8519-6F0DC809583B}"/>
               </a:ext>
             </a:extLst>
           </p:cNvPr>
@@ -7117,7 +7674,74 @@
           <a:bodyPr/>
           <a:lstStyle/>
           <a:p>
-            <a:endParaRPr lang="en-US"/>
+            <a:r>
+              <a:rPr lang="en-US" u="sng" dirty="0"/>
+              <a:t>Front End (Web </a:t>
+            </a:r>
+            <a:r>
+              <a:rPr lang="en-US" u="sng" dirty="0" err="1"/>
+              <a:t>Dapp</a:t>
+            </a:r>
+            <a:r>
+              <a:rPr lang="en-US" u="sng" dirty="0"/>
+              <a:t>)</a:t>
+            </a:r>
+          </a:p>
+          <a:p>
+            <a:pPr marL="0" indent="0">
+              <a:buNone/>
+            </a:pPr>
+            <a:r>
+              <a:rPr lang="en-US" dirty="0"/>
+              <a:t>   React JS</a:t>
+            </a:r>
+          </a:p>
+          <a:p>
+            <a:pPr marL="0" indent="0">
+              <a:buNone/>
+            </a:pPr>
+            <a:endParaRPr lang="en-US" dirty="0"/>
+          </a:p>
+          <a:p>
+            <a:r>
+              <a:rPr lang="en-US" u="sng" dirty="0"/>
+              <a:t>Back End</a:t>
+            </a:r>
+          </a:p>
+          <a:p>
+            <a:pPr marL="0" indent="0">
+              <a:buNone/>
+            </a:pPr>
+            <a:r>
+              <a:rPr lang="en-US" dirty="0"/>
+              <a:t>   NodeJS</a:t>
+            </a:r>
+          </a:p>
+          <a:p>
+            <a:pPr marL="0" indent="0">
+              <a:buNone/>
+            </a:pPr>
+            <a:endParaRPr lang="en-US" dirty="0"/>
+          </a:p>
+          <a:p>
+            <a:r>
+              <a:rPr lang="en-US" u="sng" dirty="0"/>
+              <a:t>Hosting Services</a:t>
+            </a:r>
+          </a:p>
+          <a:p>
+            <a:pPr marL="0" indent="0">
+              <a:buNone/>
+            </a:pPr>
+            <a:r>
+              <a:rPr lang="en-US" dirty="0"/>
+              <a:t>   </a:t>
+            </a:r>
+            <a:r>
+              <a:rPr lang="en-US" dirty="0" err="1"/>
+              <a:t>Metamask</a:t>
+            </a:r>
+            <a:endParaRPr lang="en-US" dirty="0"/>
           </a:p>
         </p:txBody>
       </p:sp>
@@ -7126,7 +7750,7 @@
           <p:cNvPr id="4" name="Slide Number Placeholder 3">
             <a:extLst>
               <a:ext uri="{FF2B5EF4-FFF2-40B4-BE49-F238E27FC236}">
-                <a16:creationId xmlns:a16="http://schemas.microsoft.com/office/drawing/2014/main" id="{2582D951-858A-976E-9921-A39136FA2507}"/>
+                <a16:creationId xmlns:a16="http://schemas.microsoft.com/office/drawing/2014/main" id="{E7085F4D-D2C0-377B-097C-F50A89258345}"/>
               </a:ext>
             </a:extLst>
           </p:cNvPr>
@@ -7137,23 +7761,28 @@
             <p:ph type="sldNum" sz="quarter" idx="12"/>
           </p:nvPr>
         </p:nvSpPr>
-        <p:spPr/>
+        <p:spPr>
+          <a:xfrm>
+            <a:off x="9052249" y="6374092"/>
+            <a:ext cx="2743200" cy="365125"/>
+          </a:xfrm>
+        </p:spPr>
         <p:txBody>
           <a:bodyPr/>
           <a:lstStyle/>
           <a:p>
             <a:fld id="{7153B590-63E1-4C27-B51A-4C6C22735D02}" type="slidenum">
-              <a:rPr lang="en-US" smtClean="0"/>
+              <a:rPr lang="en-US" sz="1600" smtClean="0"/>
               <a:t>7</a:t>
             </a:fld>
-            <a:endParaRPr lang="en-US"/>
+            <a:endParaRPr lang="en-US" sz="1600" dirty="0"/>
           </a:p>
         </p:txBody>
       </p:sp>
     </p:spTree>
     <p:extLst>
       <p:ext uri="{BB962C8B-B14F-4D97-AF65-F5344CB8AC3E}">
-        <p14:creationId xmlns:p14="http://schemas.microsoft.com/office/powerpoint/2010/main" val="3031370378"/>
+        <p14:creationId xmlns:p14="http://schemas.microsoft.com/office/powerpoint/2010/main" val="871407679"/>
       </p:ext>
     </p:extLst>
   </p:cSld>
@@ -7185,7 +7814,7 @@
           <p:cNvPr id="2" name="Title 1">
             <a:extLst>
               <a:ext uri="{FF2B5EF4-FFF2-40B4-BE49-F238E27FC236}">
-                <a16:creationId xmlns:a16="http://schemas.microsoft.com/office/drawing/2014/main" id="{8DC7BB94-3E4F-41EC-9DBB-DF110A6DA4A5}"/>
+                <a16:creationId xmlns:a16="http://schemas.microsoft.com/office/drawing/2014/main" id="{2D5D9E3F-E242-C01E-A546-9DAD59F35D1B}"/>
               </a:ext>
             </a:extLst>
           </p:cNvPr>
@@ -7198,8 +7827,8 @@
         </p:nvSpPr>
         <p:spPr>
           <a:xfrm>
-            <a:off x="685799" y="563562"/>
-            <a:ext cx="10820399" cy="1293028"/>
+            <a:off x="685800" y="639315"/>
+            <a:ext cx="10820400" cy="1293028"/>
           </a:xfrm>
         </p:spPr>
         <p:txBody>
@@ -7209,52 +7838,130 @@
             <a:pPr algn="ctr"/>
             <a:r>
               <a:rPr lang="en-US" dirty="0"/>
-              <a:t>DESIGN</a:t>
-            </a:r>
-          </a:p>
-        </p:txBody>
-      </p:sp>
-      <p:pic>
-        <p:nvPicPr>
-          <p:cNvPr id="6" name="Content Placeholder 5">
+              <a:t>implementation</a:t>
+            </a:r>
+          </a:p>
+        </p:txBody>
+      </p:sp>
+      <p:sp>
+        <p:nvSpPr>
+          <p:cNvPr id="3" name="Content Placeholder 2">
             <a:extLst>
               <a:ext uri="{FF2B5EF4-FFF2-40B4-BE49-F238E27FC236}">
-                <a16:creationId xmlns:a16="http://schemas.microsoft.com/office/drawing/2014/main" id="{E2441F22-C0B4-9A30-427E-1B424444711B}"/>
+                <a16:creationId xmlns:a16="http://schemas.microsoft.com/office/drawing/2014/main" id="{764B101E-37FA-C61E-19A7-2F5E5F555B1B}"/>
               </a:ext>
             </a:extLst>
           </p:cNvPr>
-          <p:cNvPicPr>
-            <a:picLocks noGrp="1" noChangeAspect="1"/>
-          </p:cNvPicPr>
+          <p:cNvSpPr>
+            <a:spLocks noGrp="1"/>
+          </p:cNvSpPr>
           <p:nvPr>
             <p:ph idx="1"/>
           </p:nvPr>
-        </p:nvPicPr>
-        <p:blipFill>
-          <a:blip r:embed="rId2">
-            <a:extLst>
-              <a:ext uri="{28A0092B-C50C-407E-A947-70E740481C1C}">
-                <a14:useLocalDpi xmlns:a14="http://schemas.microsoft.com/office/drawing/2010/main" val="0"/>
-              </a:ext>
-            </a:extLst>
-          </a:blip>
-          <a:stretch>
-            <a:fillRect/>
-          </a:stretch>
-        </p:blipFill>
-        <p:spPr>
-          <a:xfrm>
-            <a:off x="2068643" y="2193925"/>
-            <a:ext cx="7899816" cy="4283075"/>
-          </a:xfrm>
-        </p:spPr>
-      </p:pic>
+        </p:nvSpPr>
+        <p:spPr>
+          <a:xfrm>
+            <a:off x="685800" y="1932343"/>
+            <a:ext cx="10820400" cy="4286342"/>
+          </a:xfrm>
+        </p:spPr>
+        <p:txBody>
+          <a:bodyPr/>
+          <a:lstStyle/>
+          <a:p>
+            <a:r>
+              <a:rPr lang="en-US" dirty="0"/>
+              <a:t>For the first-level implementation, three different types of stakeholders are considered:</a:t>
+            </a:r>
+          </a:p>
+          <a:p>
+            <a:pPr marL="457200" indent="-457200">
+              <a:buFont typeface="+mj-lt"/>
+              <a:buAutoNum type="arabicPeriod"/>
+            </a:pPr>
+            <a:r>
+              <a:rPr lang="en-US" dirty="0"/>
+              <a:t>  School</a:t>
+            </a:r>
+          </a:p>
+          <a:p>
+            <a:pPr marL="457200" indent="-457200">
+              <a:buFont typeface="+mj-lt"/>
+              <a:buAutoNum type="arabicPeriod"/>
+            </a:pPr>
+            <a:r>
+              <a:rPr lang="en-US" dirty="0"/>
+              <a:t>  Student</a:t>
+            </a:r>
+          </a:p>
+          <a:p>
+            <a:pPr marL="457200" indent="-457200">
+              <a:buFont typeface="+mj-lt"/>
+              <a:buAutoNum type="arabicPeriod"/>
+            </a:pPr>
+            <a:r>
+              <a:rPr lang="en-US" dirty="0"/>
+              <a:t>  Company</a:t>
+            </a:r>
+          </a:p>
+          <a:p>
+            <a:pPr marL="0" indent="0">
+              <a:buNone/>
+            </a:pPr>
+            <a:endParaRPr lang="en-US" dirty="0"/>
+          </a:p>
+          <a:p>
+            <a:pPr marL="0" indent="0">
+              <a:buNone/>
+            </a:pPr>
+            <a:r>
+              <a:rPr lang="en-US" dirty="0"/>
+              <a:t>Student dashboard offers three options:</a:t>
+            </a:r>
+          </a:p>
+          <a:p>
+            <a:pPr marL="0" indent="0">
+              <a:buNone/>
+            </a:pPr>
+            <a:r>
+              <a:rPr lang="en-US" dirty="0"/>
+              <a:t> (</a:t>
+            </a:r>
+            <a:r>
+              <a:rPr lang="en-US" dirty="0" err="1"/>
+              <a:t>i</a:t>
+            </a:r>
+            <a:r>
+              <a:rPr lang="en-US" dirty="0"/>
+              <a:t>) to view the uploaded credentials</a:t>
+            </a:r>
+          </a:p>
+          <a:p>
+            <a:pPr marL="0" indent="0">
+              <a:buNone/>
+            </a:pPr>
+            <a:r>
+              <a:rPr lang="en-US" dirty="0"/>
+              <a:t>(ii) to view the access requests sent by the companies </a:t>
+            </a:r>
+          </a:p>
+          <a:p>
+            <a:pPr marL="0" indent="0">
+              <a:buNone/>
+            </a:pPr>
+            <a:r>
+              <a:rPr lang="en-US" dirty="0"/>
+              <a:t>(iii) to grant access after viewing those access requests. </a:t>
+            </a:r>
+          </a:p>
+        </p:txBody>
+      </p:sp>
       <p:sp>
         <p:nvSpPr>
           <p:cNvPr id="4" name="Slide Number Placeholder 3">
             <a:extLst>
               <a:ext uri="{FF2B5EF4-FFF2-40B4-BE49-F238E27FC236}">
-                <a16:creationId xmlns:a16="http://schemas.microsoft.com/office/drawing/2014/main" id="{13A36BC1-6E1D-99D4-29A4-3FD452FB49FB}"/>
+                <a16:creationId xmlns:a16="http://schemas.microsoft.com/office/drawing/2014/main" id="{99DBB640-1D95-EE9A-E19D-E8482BD2BF0D}"/>
               </a:ext>
             </a:extLst>
           </p:cNvPr>
@@ -7265,23 +7972,194 @@
             <p:ph type="sldNum" sz="quarter" idx="12"/>
           </p:nvPr>
         </p:nvSpPr>
-        <p:spPr/>
+        <p:spPr>
+          <a:xfrm>
+            <a:off x="9117564" y="6218685"/>
+            <a:ext cx="2743200" cy="400892"/>
+          </a:xfrm>
+        </p:spPr>
         <p:txBody>
           <a:bodyPr/>
           <a:lstStyle/>
           <a:p>
             <a:fld id="{7153B590-63E1-4C27-B51A-4C6C22735D02}" type="slidenum">
-              <a:rPr lang="en-US" smtClean="0"/>
+              <a:rPr lang="en-US" sz="1600" smtClean="0"/>
               <a:t>8</a:t>
             </a:fld>
-            <a:endParaRPr lang="en-US"/>
+            <a:endParaRPr lang="en-US" sz="1600" dirty="0"/>
           </a:p>
         </p:txBody>
       </p:sp>
     </p:spTree>
     <p:extLst>
       <p:ext uri="{BB962C8B-B14F-4D97-AF65-F5344CB8AC3E}">
-        <p14:creationId xmlns:p14="http://schemas.microsoft.com/office/powerpoint/2010/main" val="3410539941"/>
+        <p14:creationId xmlns:p14="http://schemas.microsoft.com/office/powerpoint/2010/main" val="899447867"/>
+      </p:ext>
+    </p:extLst>
+  </p:cSld>
+  <p:clrMapOvr>
+    <a:masterClrMapping/>
+  </p:clrMapOvr>
+</p:sld>
+</file>
+
+<file path=ppt/slides/slide9.xml><?xml version="1.0" encoding="utf-8"?>
+<p:sld xmlns:a="http://schemas.openxmlformats.org/drawingml/2006/main" xmlns:r="http://schemas.openxmlformats.org/officeDocument/2006/relationships" xmlns:p="http://schemas.openxmlformats.org/presentationml/2006/main">
+  <p:cSld>
+    <p:spTree>
+      <p:nvGrpSpPr>
+        <p:cNvPr id="1" name=""/>
+        <p:cNvGrpSpPr/>
+        <p:nvPr/>
+      </p:nvGrpSpPr>
+      <p:grpSpPr>
+        <a:xfrm>
+          <a:off x="0" y="0"/>
+          <a:ext cx="0" cy="0"/>
+          <a:chOff x="0" y="0"/>
+          <a:chExt cx="0" cy="0"/>
+        </a:xfrm>
+      </p:grpSpPr>
+      <p:sp>
+        <p:nvSpPr>
+          <p:cNvPr id="2" name="Title 1">
+            <a:extLst>
+              <a:ext uri="{FF2B5EF4-FFF2-40B4-BE49-F238E27FC236}">
+                <a16:creationId xmlns:a16="http://schemas.microsoft.com/office/drawing/2014/main" id="{0641ECB9-A6FE-A020-97D3-4154675C348F}"/>
+              </a:ext>
+            </a:extLst>
+          </p:cNvPr>
+          <p:cNvSpPr>
+            <a:spLocks noGrp="1"/>
+          </p:cNvSpPr>
+          <p:nvPr>
+            <p:ph type="title"/>
+          </p:nvPr>
+        </p:nvSpPr>
+        <p:spPr>
+          <a:xfrm>
+            <a:off x="539262" y="802997"/>
+            <a:ext cx="10791092" cy="1293028"/>
+          </a:xfrm>
+        </p:spPr>
+        <p:txBody>
+          <a:bodyPr/>
+          <a:lstStyle/>
+          <a:p>
+            <a:pPr algn="ctr"/>
+            <a:r>
+              <a:rPr lang="en-US" dirty="0"/>
+              <a:t>IMPLEMENTATION</a:t>
+            </a:r>
+          </a:p>
+        </p:txBody>
+      </p:sp>
+      <p:sp>
+        <p:nvSpPr>
+          <p:cNvPr id="3" name="Content Placeholder 2">
+            <a:extLst>
+              <a:ext uri="{FF2B5EF4-FFF2-40B4-BE49-F238E27FC236}">
+                <a16:creationId xmlns:a16="http://schemas.microsoft.com/office/drawing/2014/main" id="{CB089EAC-B7C6-278F-6E0C-A89BF3FF2071}"/>
+              </a:ext>
+            </a:extLst>
+          </p:cNvPr>
+          <p:cNvSpPr>
+            <a:spLocks noGrp="1"/>
+          </p:cNvSpPr>
+          <p:nvPr>
+            <p:ph idx="1"/>
+          </p:nvPr>
+        </p:nvSpPr>
+        <p:spPr>
+          <a:xfrm>
+            <a:off x="509954" y="2452875"/>
+            <a:ext cx="10820400" cy="4024125"/>
+          </a:xfrm>
+        </p:spPr>
+        <p:txBody>
+          <a:bodyPr/>
+          <a:lstStyle/>
+          <a:p>
+            <a:r>
+              <a:rPr lang="en-US" dirty="0"/>
+              <a:t>Company dashboard has three options:</a:t>
+            </a:r>
+          </a:p>
+          <a:p>
+            <a:pPr marL="0" indent="0">
+              <a:buNone/>
+            </a:pPr>
+            <a:r>
+              <a:rPr lang="en-US" dirty="0"/>
+              <a:t> (</a:t>
+            </a:r>
+            <a:r>
+              <a:rPr lang="en-US" dirty="0" err="1"/>
+              <a:t>i</a:t>
+            </a:r>
+            <a:r>
+              <a:rPr lang="en-US" dirty="0"/>
+              <a:t>) to view the list of schools and the students enrolled under a selected school</a:t>
+            </a:r>
+          </a:p>
+          <a:p>
+            <a:pPr marL="0" indent="0">
+              <a:buNone/>
+            </a:pPr>
+            <a:r>
+              <a:rPr lang="en-US" dirty="0"/>
+              <a:t> (ii) to send an access request</a:t>
+            </a:r>
+          </a:p>
+          <a:p>
+            <a:pPr marL="0" indent="0">
+              <a:buNone/>
+            </a:pPr>
+            <a:r>
+              <a:rPr lang="en-US" dirty="0"/>
+              <a:t> (iii) to view the credentials once the students grants access.</a:t>
+            </a:r>
+          </a:p>
+        </p:txBody>
+      </p:sp>
+      <p:sp>
+        <p:nvSpPr>
+          <p:cNvPr id="4" name="Slide Number Placeholder 3">
+            <a:extLst>
+              <a:ext uri="{FF2B5EF4-FFF2-40B4-BE49-F238E27FC236}">
+                <a16:creationId xmlns:a16="http://schemas.microsoft.com/office/drawing/2014/main" id="{97519A61-C78F-C939-A930-C3B7E488F4F3}"/>
+              </a:ext>
+            </a:extLst>
+          </p:cNvPr>
+          <p:cNvSpPr>
+            <a:spLocks noGrp="1"/>
+          </p:cNvSpPr>
+          <p:nvPr>
+            <p:ph type="sldNum" sz="quarter" idx="12"/>
+          </p:nvPr>
+        </p:nvSpPr>
+        <p:spPr>
+          <a:xfrm>
+            <a:off x="9061579" y="6212633"/>
+            <a:ext cx="2743200" cy="365125"/>
+          </a:xfrm>
+        </p:spPr>
+        <p:txBody>
+          <a:bodyPr/>
+          <a:lstStyle/>
+          <a:p>
+            <a:fld id="{7153B590-63E1-4C27-B51A-4C6C22735D02}" type="slidenum">
+              <a:rPr lang="en-US" sz="1600" smtClean="0"/>
+              <a:t>9</a:t>
+            </a:fld>
+            <a:endParaRPr lang="en-US" sz="1600" dirty="0"/>
+          </a:p>
+        </p:txBody>
+      </p:sp>
+    </p:spTree>
+    <p:extLst>
+      <p:ext uri="{BB962C8B-B14F-4D97-AF65-F5344CB8AC3E}">
+        <p14:creationId xmlns:p14="http://schemas.microsoft.com/office/powerpoint/2010/main" val="3828993649"/>
       </p:ext>
     </p:extLst>
   </p:cSld>

--- a/Presentation PROJECT.pptx
+++ b/Presentation PROJECT.pptx
@@ -5,7 +5,7 @@
     <p:sldMasterId id="2147483660" r:id="rId1"/>
   </p:sldMasterIdLst>
   <p:notesMasterIdLst>
-    <p:notesMasterId r:id="rId15"/>
+    <p:notesMasterId r:id="rId10"/>
   </p:notesMasterIdLst>
   <p:sldIdLst>
     <p:sldId id="256" r:id="rId2"/>
@@ -15,12 +15,7 @@
     <p:sldId id="260" r:id="rId6"/>
     <p:sldId id="261" r:id="rId7"/>
     <p:sldId id="267" r:id="rId8"/>
-    <p:sldId id="265" r:id="rId9"/>
-    <p:sldId id="266" r:id="rId10"/>
-    <p:sldId id="262" r:id="rId11"/>
-    <p:sldId id="263" r:id="rId12"/>
-    <p:sldId id="264" r:id="rId13"/>
-    <p:sldId id="268" r:id="rId14"/>
+    <p:sldId id="268" r:id="rId9"/>
   </p:sldIdLst>
   <p:sldSz cx="12192000" cy="6858000"/>
   <p:notesSz cx="6858000" cy="9144000"/>
@@ -209,7 +204,7 @@
           <a:p>
             <a:fld id="{3FFF483E-CB9B-41F8-96B0-B5AE4B389129}" type="datetimeFigureOut">
               <a:rPr lang="en-US" smtClean="0"/>
-              <a:t>9/19/2023</a:t>
+              <a:t>9/20/2023</a:t>
             </a:fld>
             <a:endParaRPr lang="en-US"/>
           </a:p>
@@ -646,7 +641,7 @@
           <a:p>
             <a:fld id="{49369552-C794-468A-A70F-0DDD43978DC4}" type="datetime1">
               <a:rPr lang="en-US" smtClean="0"/>
-              <a:t>9/19/2023</a:t>
+              <a:t>9/20/2023</a:t>
             </a:fld>
             <a:endParaRPr lang="en-US"/>
           </a:p>
@@ -714,6 +709,18 @@
   <p:clrMapOvr>
     <a:masterClrMapping/>
   </p:clrMapOvr>
+  <mc:AlternateContent xmlns:mc="http://schemas.openxmlformats.org/markup-compatibility/2006">
+    <mc:Choice xmlns:p14="http://schemas.microsoft.com/office/powerpoint/2010/main" Requires="p14">
+      <p:transition spd="med">
+        <p14:reveal/>
+      </p:transition>
+    </mc:Choice>
+    <mc:Fallback>
+      <p:transition spd="med">
+        <p:fade/>
+      </p:transition>
+    </mc:Fallback>
+  </mc:AlternateContent>
 </p:sldLayout>
 </file>
 
@@ -913,7 +920,7 @@
           <a:p>
             <a:fld id="{1B554643-7224-45DD-9B78-A33D529FC36A}" type="datetime1">
               <a:rPr lang="en-US" smtClean="0"/>
-              <a:t>9/19/2023</a:t>
+              <a:t>9/20/2023</a:t>
             </a:fld>
             <a:endParaRPr lang="en-US"/>
           </a:p>
@@ -971,6 +978,18 @@
   <p:clrMapOvr>
     <a:masterClrMapping/>
   </p:clrMapOvr>
+  <mc:AlternateContent xmlns:mc="http://schemas.openxmlformats.org/markup-compatibility/2006">
+    <mc:Choice xmlns:p14="http://schemas.microsoft.com/office/powerpoint/2010/main" Requires="p14">
+      <p:transition spd="med">
+        <p14:reveal/>
+      </p:transition>
+    </mc:Choice>
+    <mc:Fallback>
+      <p:transition spd="med">
+        <p:fade/>
+      </p:transition>
+    </mc:Fallback>
+  </mc:AlternateContent>
 </p:sldLayout>
 </file>
 
@@ -1144,7 +1163,7 @@
           <a:p>
             <a:fld id="{DDADC26D-1A83-4FF1-BB74-C17AA430E1CD}" type="datetime1">
               <a:rPr lang="en-US" smtClean="0"/>
-              <a:t>9/19/2023</a:t>
+              <a:t>9/20/2023</a:t>
             </a:fld>
             <a:endParaRPr lang="en-US"/>
           </a:p>
@@ -1212,6 +1231,18 @@
   <p:clrMapOvr>
     <a:masterClrMapping/>
   </p:clrMapOvr>
+  <mc:AlternateContent xmlns:mc="http://schemas.openxmlformats.org/markup-compatibility/2006">
+    <mc:Choice xmlns:p14="http://schemas.microsoft.com/office/powerpoint/2010/main" Requires="p14">
+      <p:transition spd="med">
+        <p14:reveal/>
+      </p:transition>
+    </mc:Choice>
+    <mc:Fallback>
+      <p:transition spd="med">
+        <p:fade/>
+      </p:transition>
+    </mc:Fallback>
+  </mc:AlternateContent>
 </p:sldLayout>
 </file>
 
@@ -1454,7 +1485,7 @@
           <a:p>
             <a:fld id="{91F3ACE1-AF01-42C4-99E5-7576817865F0}" type="datetime1">
               <a:rPr lang="en-US" smtClean="0"/>
-              <a:t>9/19/2023</a:t>
+              <a:t>9/20/2023</a:t>
             </a:fld>
             <a:endParaRPr lang="en-US"/>
           </a:p>
@@ -1754,6 +1785,18 @@
   <p:clrMapOvr>
     <a:masterClrMapping/>
   </p:clrMapOvr>
+  <mc:AlternateContent xmlns:mc="http://schemas.openxmlformats.org/markup-compatibility/2006">
+    <mc:Choice xmlns:p14="http://schemas.microsoft.com/office/powerpoint/2010/main" Requires="p14">
+      <p:transition spd="med">
+        <p14:reveal/>
+      </p:transition>
+    </mc:Choice>
+    <mc:Fallback>
+      <p:transition spd="med">
+        <p:fade/>
+      </p:transition>
+    </mc:Fallback>
+  </mc:AlternateContent>
 </p:sldLayout>
 </file>
 
@@ -1927,7 +1970,7 @@
           <a:p>
             <a:fld id="{5AF3A5D4-7DB1-4518-B336-4136F77D431C}" type="datetime1">
               <a:rPr lang="en-US" smtClean="0"/>
-              <a:t>9/19/2023</a:t>
+              <a:t>9/20/2023</a:t>
             </a:fld>
             <a:endParaRPr lang="en-US"/>
           </a:p>
@@ -1995,6 +2038,18 @@
   <p:clrMapOvr>
     <a:masterClrMapping/>
   </p:clrMapOvr>
+  <mc:AlternateContent xmlns:mc="http://schemas.openxmlformats.org/markup-compatibility/2006">
+    <mc:Choice xmlns:p14="http://schemas.microsoft.com/office/powerpoint/2010/main" Requires="p14">
+      <p:transition spd="med">
+        <p14:reveal/>
+      </p:transition>
+    </mc:Choice>
+    <mc:Fallback>
+      <p:transition spd="med">
+        <p:fade/>
+      </p:transition>
+    </mc:Fallback>
+  </mc:AlternateContent>
 </p:sldLayout>
 </file>
 
@@ -2474,7 +2529,7 @@
           <a:p>
             <a:fld id="{0507081B-1F86-4A2E-BB3D-A77F4696085D}" type="datetime1">
               <a:rPr lang="en-US" smtClean="0"/>
-              <a:t>9/19/2023</a:t>
+              <a:t>9/20/2023</a:t>
             </a:fld>
             <a:endParaRPr lang="en-US"/>
           </a:p>
@@ -2532,6 +2587,18 @@
   <p:clrMapOvr>
     <a:masterClrMapping/>
   </p:clrMapOvr>
+  <mc:AlternateContent xmlns:mc="http://schemas.openxmlformats.org/markup-compatibility/2006">
+    <mc:Choice xmlns:p14="http://schemas.microsoft.com/office/powerpoint/2010/main" Requires="p14">
+      <p:transition spd="med">
+        <p14:reveal/>
+      </p:transition>
+    </mc:Choice>
+    <mc:Fallback>
+      <p:transition spd="med">
+        <p:fade/>
+      </p:transition>
+    </mc:Fallback>
+  </mc:AlternateContent>
 </p:sldLayout>
 </file>
 
@@ -3248,7 +3315,7 @@
           <a:p>
             <a:fld id="{48268BF5-5227-413D-A5FD-34694A9C6C64}" type="datetime1">
               <a:rPr lang="en-US" smtClean="0"/>
-              <a:t>9/19/2023</a:t>
+              <a:t>9/20/2023</a:t>
             </a:fld>
             <a:endParaRPr lang="en-US"/>
           </a:p>
@@ -3306,6 +3373,18 @@
   <p:clrMapOvr>
     <a:masterClrMapping/>
   </p:clrMapOvr>
+  <mc:AlternateContent xmlns:mc="http://schemas.openxmlformats.org/markup-compatibility/2006">
+    <mc:Choice xmlns:p14="http://schemas.microsoft.com/office/powerpoint/2010/main" Requires="p14">
+      <p:transition spd="med">
+        <p14:reveal/>
+      </p:transition>
+    </mc:Choice>
+    <mc:Fallback>
+      <p:transition spd="med">
+        <p:fade/>
+      </p:transition>
+    </mc:Fallback>
+  </mc:AlternateContent>
 </p:sldLayout>
 </file>
 
@@ -3423,7 +3502,7 @@
           <a:p>
             <a:fld id="{19EB8201-80DA-4A53-9696-FD10EF315992}" type="datetime1">
               <a:rPr lang="en-US" smtClean="0"/>
-              <a:t>9/19/2023</a:t>
+              <a:t>9/20/2023</a:t>
             </a:fld>
             <a:endParaRPr lang="en-US"/>
           </a:p>
@@ -3481,6 +3560,18 @@
   <p:clrMapOvr>
     <a:masterClrMapping/>
   </p:clrMapOvr>
+  <mc:AlternateContent xmlns:mc="http://schemas.openxmlformats.org/markup-compatibility/2006">
+    <mc:Choice xmlns:p14="http://schemas.microsoft.com/office/powerpoint/2010/main" Requires="p14">
+      <p:transition spd="med">
+        <p14:reveal/>
+      </p:transition>
+    </mc:Choice>
+    <mc:Fallback>
+      <p:transition spd="med">
+        <p:fade/>
+      </p:transition>
+    </mc:Fallback>
+  </mc:AlternateContent>
 </p:sldLayout>
 </file>
 
@@ -3646,7 +3737,7 @@
           <a:p>
             <a:fld id="{AE7A0967-4A7D-4E20-8D23-4B7AE6093F2E}" type="datetime1">
               <a:rPr lang="en-US" smtClean="0"/>
-              <a:t>9/19/2023</a:t>
+              <a:t>9/20/2023</a:t>
             </a:fld>
             <a:endParaRPr lang="en-US"/>
           </a:p>
@@ -3714,6 +3805,18 @@
   <p:clrMapOvr>
     <a:masterClrMapping/>
   </p:clrMapOvr>
+  <mc:AlternateContent xmlns:mc="http://schemas.openxmlformats.org/markup-compatibility/2006">
+    <mc:Choice xmlns:p14="http://schemas.microsoft.com/office/powerpoint/2010/main" Requires="p14">
+      <p:transition spd="med">
+        <p14:reveal/>
+      </p:transition>
+    </mc:Choice>
+    <mc:Fallback>
+      <p:transition spd="med">
+        <p:fade/>
+      </p:transition>
+    </mc:Fallback>
+  </mc:AlternateContent>
 </p:sldLayout>
 </file>
 
@@ -3826,7 +3929,7 @@
           <a:p>
             <a:fld id="{154F0690-B4D8-47FD-A02C-381DCFC7134D}" type="datetime1">
               <a:rPr lang="en-US" smtClean="0"/>
-              <a:t>9/19/2023</a:t>
+              <a:t>9/20/2023</a:t>
             </a:fld>
             <a:endParaRPr lang="en-US"/>
           </a:p>
@@ -3884,6 +3987,18 @@
   <p:clrMapOvr>
     <a:masterClrMapping/>
   </p:clrMapOvr>
+  <mc:AlternateContent xmlns:mc="http://schemas.openxmlformats.org/markup-compatibility/2006">
+    <mc:Choice xmlns:p14="http://schemas.microsoft.com/office/powerpoint/2010/main" Requires="p14">
+      <p:transition spd="med">
+        <p14:reveal/>
+      </p:transition>
+    </mc:Choice>
+    <mc:Fallback>
+      <p:transition spd="med">
+        <p:fade/>
+      </p:transition>
+    </mc:Fallback>
+  </mc:AlternateContent>
 </p:sldLayout>
 </file>
 
@@ -4115,7 +4230,7 @@
           <a:p>
             <a:fld id="{0FE96C3C-299D-4D6E-9398-2307F4C075CA}" type="datetime1">
               <a:rPr lang="en-US" smtClean="0"/>
-              <a:t>9/19/2023</a:t>
+              <a:t>9/20/2023</a:t>
             </a:fld>
             <a:endParaRPr lang="en-US"/>
           </a:p>
@@ -4183,6 +4298,18 @@
   <p:clrMapOvr>
     <a:masterClrMapping/>
   </p:clrMapOvr>
+  <mc:AlternateContent xmlns:mc="http://schemas.openxmlformats.org/markup-compatibility/2006">
+    <mc:Choice xmlns:p14="http://schemas.microsoft.com/office/powerpoint/2010/main" Requires="p14">
+      <p:transition spd="med">
+        <p14:reveal/>
+      </p:transition>
+    </mc:Choice>
+    <mc:Fallback>
+      <p:transition spd="med">
+        <p:fade/>
+      </p:transition>
+    </mc:Fallback>
+  </mc:AlternateContent>
 </p:sldLayout>
 </file>
 
@@ -4357,7 +4484,7 @@
           <a:p>
             <a:fld id="{9E74828E-215B-4D6A-81F4-5948C5214435}" type="datetime1">
               <a:rPr lang="en-US" smtClean="0"/>
-              <a:t>9/19/2023</a:t>
+              <a:t>9/20/2023</a:t>
             </a:fld>
             <a:endParaRPr lang="en-US"/>
           </a:p>
@@ -4415,6 +4542,18 @@
   <p:clrMapOvr>
     <a:masterClrMapping/>
   </p:clrMapOvr>
+  <mc:AlternateContent xmlns:mc="http://schemas.openxmlformats.org/markup-compatibility/2006">
+    <mc:Choice xmlns:p14="http://schemas.microsoft.com/office/powerpoint/2010/main" Requires="p14">
+      <p:transition spd="med">
+        <p14:reveal/>
+      </p:transition>
+    </mc:Choice>
+    <mc:Fallback>
+      <p:transition spd="med">
+        <p:fade/>
+      </p:transition>
+    </mc:Fallback>
+  </mc:AlternateContent>
 </p:sldLayout>
 </file>
 
@@ -4736,7 +4875,7 @@
           <a:p>
             <a:fld id="{FE6B7C7A-3260-46B7-A297-3EE9BBD206C7}" type="datetime1">
               <a:rPr lang="en-US" smtClean="0"/>
-              <a:t>9/19/2023</a:t>
+              <a:t>9/20/2023</a:t>
             </a:fld>
             <a:endParaRPr lang="en-US"/>
           </a:p>
@@ -4794,6 +4933,18 @@
   <p:clrMapOvr>
     <a:masterClrMapping/>
   </p:clrMapOvr>
+  <mc:AlternateContent xmlns:mc="http://schemas.openxmlformats.org/markup-compatibility/2006">
+    <mc:Choice xmlns:p14="http://schemas.microsoft.com/office/powerpoint/2010/main" Requires="p14">
+      <p:transition spd="med">
+        <p14:reveal/>
+      </p:transition>
+    </mc:Choice>
+    <mc:Fallback>
+      <p:transition spd="med">
+        <p:fade/>
+      </p:transition>
+    </mc:Fallback>
+  </mc:AlternateContent>
 </p:sldLayout>
 </file>
 
@@ -4854,7 +5005,7 @@
           <a:p>
             <a:fld id="{D2BEEC61-665F-406D-B024-CF5AC0726BB2}" type="datetime1">
               <a:rPr lang="en-US" smtClean="0"/>
-              <a:t>9/19/2023</a:t>
+              <a:t>9/20/2023</a:t>
             </a:fld>
             <a:endParaRPr lang="en-US"/>
           </a:p>
@@ -4912,6 +5063,18 @@
   <p:clrMapOvr>
     <a:masterClrMapping/>
   </p:clrMapOvr>
+  <mc:AlternateContent xmlns:mc="http://schemas.openxmlformats.org/markup-compatibility/2006">
+    <mc:Choice xmlns:p14="http://schemas.microsoft.com/office/powerpoint/2010/main" Requires="p14">
+      <p:transition spd="med">
+        <p14:reveal/>
+      </p:transition>
+    </mc:Choice>
+    <mc:Fallback>
+      <p:transition spd="med">
+        <p:fade/>
+      </p:transition>
+    </mc:Fallback>
+  </mc:AlternateContent>
 </p:sldLayout>
 </file>
 
@@ -4949,7 +5112,7 @@
           <a:p>
             <a:fld id="{80CA6502-047B-48AB-892C-79E268E53040}" type="datetime1">
               <a:rPr lang="en-US" smtClean="0"/>
-              <a:t>9/19/2023</a:t>
+              <a:t>9/20/2023</a:t>
             </a:fld>
             <a:endParaRPr lang="en-US"/>
           </a:p>
@@ -5007,6 +5170,18 @@
   <p:clrMapOvr>
     <a:masterClrMapping/>
   </p:clrMapOvr>
+  <mc:AlternateContent xmlns:mc="http://schemas.openxmlformats.org/markup-compatibility/2006">
+    <mc:Choice xmlns:p14="http://schemas.microsoft.com/office/powerpoint/2010/main" Requires="p14">
+      <p:transition spd="med">
+        <p14:reveal/>
+      </p:transition>
+    </mc:Choice>
+    <mc:Fallback>
+      <p:transition spd="med">
+        <p:fade/>
+      </p:transition>
+    </mc:Fallback>
+  </mc:AlternateContent>
 </p:sldLayout>
 </file>
 
@@ -5198,7 +5373,7 @@
           <a:p>
             <a:fld id="{1F1A8AB6-289C-4D2F-8F0D-8B40DEA4AF19}" type="datetime1">
               <a:rPr lang="en-US" smtClean="0"/>
-              <a:t>9/19/2023</a:t>
+              <a:t>9/20/2023</a:t>
             </a:fld>
             <a:endParaRPr lang="en-US"/>
           </a:p>
@@ -5256,6 +5431,18 @@
   <p:clrMapOvr>
     <a:masterClrMapping/>
   </p:clrMapOvr>
+  <mc:AlternateContent xmlns:mc="http://schemas.openxmlformats.org/markup-compatibility/2006">
+    <mc:Choice xmlns:p14="http://schemas.microsoft.com/office/powerpoint/2010/main" Requires="p14">
+      <p:transition spd="med">
+        <p14:reveal/>
+      </p:transition>
+    </mc:Choice>
+    <mc:Fallback>
+      <p:transition spd="med">
+        <p:fade/>
+      </p:transition>
+    </mc:Fallback>
+  </mc:AlternateContent>
 </p:sldLayout>
 </file>
 
@@ -5455,7 +5642,7 @@
           <a:p>
             <a:fld id="{0419594F-612E-409E-9E1C-B21230E78594}" type="datetime1">
               <a:rPr lang="en-US" smtClean="0"/>
-              <a:t>9/19/2023</a:t>
+              <a:t>9/20/2023</a:t>
             </a:fld>
             <a:endParaRPr lang="en-US"/>
           </a:p>
@@ -5513,6 +5700,18 @@
   <p:clrMapOvr>
     <a:masterClrMapping/>
   </p:clrMapOvr>
+  <mc:AlternateContent xmlns:mc="http://schemas.openxmlformats.org/markup-compatibility/2006">
+    <mc:Choice xmlns:p14="http://schemas.microsoft.com/office/powerpoint/2010/main" Requires="p14">
+      <p:transition spd="med">
+        <p14:reveal/>
+      </p:transition>
+    </mc:Choice>
+    <mc:Fallback>
+      <p:transition spd="med">
+        <p:fade/>
+      </p:transition>
+    </mc:Fallback>
+  </mc:AlternateContent>
 </p:sldLayout>
 </file>
 
@@ -5698,7 +5897,7 @@
           <a:p>
             <a:fld id="{ABE697C6-0531-4868-8F7B-A2797AD82EFA}" type="datetime1">
               <a:rPr lang="en-US" smtClean="0"/>
-              <a:t>9/19/2023</a:t>
+              <a:t>9/20/2023</a:t>
             </a:fld>
             <a:endParaRPr lang="en-US"/>
           </a:p>
@@ -5809,6 +6008,18 @@
     <p:sldLayoutId id="2147483676" r:id="rId16"/>
     <p:sldLayoutId id="2147483677" r:id="rId17"/>
   </p:sldLayoutIdLst>
+  <mc:AlternateContent xmlns:mc="http://schemas.openxmlformats.org/markup-compatibility/2006">
+    <mc:Choice xmlns:p14="http://schemas.microsoft.com/office/powerpoint/2010/main" Requires="p14">
+      <p:transition spd="med">
+        <p14:reveal/>
+      </p:transition>
+    </mc:Choice>
+    <mc:Fallback>
+      <p:transition spd="med">
+        <p:fade/>
+      </p:transition>
+    </mc:Fallback>
+  </mc:AlternateContent>
   <p:hf hdr="0" ftr="0" dt="0"/>
   <p:txStyles>
     <p:titleStyle>
@@ -6126,7 +6337,12 @@
             <p:ph type="ctrTitle"/>
           </p:nvPr>
         </p:nvSpPr>
-        <p:spPr/>
+        <p:spPr>
+          <a:xfrm>
+            <a:off x="1026367" y="1523487"/>
+            <a:ext cx="10095722" cy="1825096"/>
+          </a:xfrm>
+        </p:spPr>
         <p:txBody>
           <a:bodyPr>
             <a:normAutofit/>
@@ -6135,7 +6351,7 @@
           <a:p>
             <a:r>
               <a:rPr lang="en-US" sz="4000" dirty="0"/>
-              <a:t>STUDENTS CREDENTIALS SHARING BASED DECENTRALIZED APPLICATION</a:t>
+              <a:t>STUDENTS CREDENTIALS SHARING BASED ON DECENTRALIZED APPLICATION</a:t>
             </a:r>
           </a:p>
         </p:txBody>
@@ -6158,19 +6374,19 @@
         </p:nvSpPr>
         <p:spPr>
           <a:xfrm>
-            <a:off x="746449" y="5675605"/>
+            <a:off x="1026367" y="5664202"/>
             <a:ext cx="9448800" cy="685800"/>
           </a:xfrm>
         </p:spPr>
         <p:txBody>
           <a:bodyPr>
-            <a:normAutofit fontScale="92500" lnSpcReduction="10000"/>
+            <a:noAutofit/>
           </a:bodyPr>
           <a:lstStyle/>
           <a:p>
             <a:r>
               <a:rPr lang="en-US" dirty="0"/>
-              <a:t>GROUP IV</a:t>
+              <a:t>GROUP IV	</a:t>
             </a:r>
           </a:p>
           <a:p>
@@ -6233,533 +6449,18 @@
   <p:clrMapOvr>
     <a:masterClrMapping/>
   </p:clrMapOvr>
-</p:sld>
-</file>
-
-<file path=ppt/slides/slide10.xml><?xml version="1.0" encoding="utf-8"?>
-<p:sld xmlns:a="http://schemas.openxmlformats.org/drawingml/2006/main" xmlns:r="http://schemas.openxmlformats.org/officeDocument/2006/relationships" xmlns:p="http://schemas.openxmlformats.org/presentationml/2006/main">
-  <p:cSld>
-    <p:spTree>
-      <p:nvGrpSpPr>
-        <p:cNvPr id="1" name=""/>
-        <p:cNvGrpSpPr/>
-        <p:nvPr/>
-      </p:nvGrpSpPr>
-      <p:grpSpPr>
-        <a:xfrm>
-          <a:off x="0" y="0"/>
-          <a:ext cx="0" cy="0"/>
-          <a:chOff x="0" y="0"/>
-          <a:chExt cx="0" cy="0"/>
-        </a:xfrm>
-      </p:grpSpPr>
-      <p:sp>
-        <p:nvSpPr>
-          <p:cNvPr id="2" name="Title 1">
-            <a:extLst>
-              <a:ext uri="{FF2B5EF4-FFF2-40B4-BE49-F238E27FC236}">
-                <a16:creationId xmlns:a16="http://schemas.microsoft.com/office/drawing/2014/main" id="{8DC7BB94-3E4F-41EC-9DBB-DF110A6DA4A5}"/>
-              </a:ext>
-            </a:extLst>
-          </p:cNvPr>
-          <p:cNvSpPr>
-            <a:spLocks noGrp="1"/>
-          </p:cNvSpPr>
-          <p:nvPr>
-            <p:ph type="title"/>
-          </p:nvPr>
-        </p:nvSpPr>
-        <p:spPr>
-          <a:xfrm>
-            <a:off x="685799" y="563562"/>
-            <a:ext cx="10820399" cy="1293028"/>
-          </a:xfrm>
-        </p:spPr>
-        <p:txBody>
-          <a:bodyPr/>
-          <a:lstStyle/>
-          <a:p>
-            <a:pPr algn="ctr"/>
-            <a:r>
-              <a:rPr lang="en-US" dirty="0"/>
-              <a:t>Proposed system</a:t>
-            </a:r>
-          </a:p>
-        </p:txBody>
-      </p:sp>
-      <p:pic>
-        <p:nvPicPr>
-          <p:cNvPr id="6" name="Content Placeholder 5">
-            <a:extLst>
-              <a:ext uri="{FF2B5EF4-FFF2-40B4-BE49-F238E27FC236}">
-                <a16:creationId xmlns:a16="http://schemas.microsoft.com/office/drawing/2014/main" id="{E2441F22-C0B4-9A30-427E-1B424444711B}"/>
-              </a:ext>
-            </a:extLst>
-          </p:cNvPr>
-          <p:cNvPicPr>
-            <a:picLocks noGrp="1" noChangeAspect="1"/>
-          </p:cNvPicPr>
-          <p:nvPr>
-            <p:ph idx="1"/>
-          </p:nvPr>
-        </p:nvPicPr>
-        <p:blipFill>
-          <a:blip r:embed="rId2">
-            <a:extLst>
-              <a:ext uri="{28A0092B-C50C-407E-A947-70E740481C1C}">
-                <a14:useLocalDpi xmlns:a14="http://schemas.microsoft.com/office/drawing/2010/main" val="0"/>
-              </a:ext>
-            </a:extLst>
-          </a:blip>
-          <a:stretch>
-            <a:fillRect/>
-          </a:stretch>
-        </p:blipFill>
-        <p:spPr>
-          <a:xfrm>
-            <a:off x="2031320" y="1856590"/>
-            <a:ext cx="7899816" cy="4560701"/>
-          </a:xfrm>
-        </p:spPr>
-      </p:pic>
-      <p:sp>
-        <p:nvSpPr>
-          <p:cNvPr id="4" name="Slide Number Placeholder 3">
-            <a:extLst>
-              <a:ext uri="{FF2B5EF4-FFF2-40B4-BE49-F238E27FC236}">
-                <a16:creationId xmlns:a16="http://schemas.microsoft.com/office/drawing/2014/main" id="{13A36BC1-6E1D-99D4-29A4-3FD452FB49FB}"/>
-              </a:ext>
-            </a:extLst>
-          </p:cNvPr>
-          <p:cNvSpPr>
-            <a:spLocks noGrp="1"/>
-          </p:cNvSpPr>
-          <p:nvPr>
-            <p:ph type="sldNum" sz="quarter" idx="12"/>
-          </p:nvPr>
-        </p:nvSpPr>
-        <p:spPr>
-          <a:xfrm>
-            <a:off x="10739535" y="6417291"/>
-            <a:ext cx="1018592" cy="365125"/>
-          </a:xfrm>
-        </p:spPr>
-        <p:txBody>
-          <a:bodyPr/>
-          <a:lstStyle/>
-          <a:p>
-            <a:fld id="{7153B590-63E1-4C27-B51A-4C6C22735D02}" type="slidenum">
-              <a:rPr lang="en-US" sz="1600" smtClean="0"/>
-              <a:t>10</a:t>
-            </a:fld>
-            <a:endParaRPr lang="en-US" sz="1600" dirty="0"/>
-          </a:p>
-        </p:txBody>
-      </p:sp>
-    </p:spTree>
-    <p:extLst>
-      <p:ext uri="{BB962C8B-B14F-4D97-AF65-F5344CB8AC3E}">
-        <p14:creationId xmlns:p14="http://schemas.microsoft.com/office/powerpoint/2010/main" val="3410539941"/>
-      </p:ext>
-    </p:extLst>
-  </p:cSld>
-  <p:clrMapOvr>
-    <a:masterClrMapping/>
-  </p:clrMapOvr>
-</p:sld>
-</file>
-
-<file path=ppt/slides/slide11.xml><?xml version="1.0" encoding="utf-8"?>
-<p:sld xmlns:a="http://schemas.openxmlformats.org/drawingml/2006/main" xmlns:r="http://schemas.openxmlformats.org/officeDocument/2006/relationships" xmlns:p="http://schemas.openxmlformats.org/presentationml/2006/main">
-  <p:cSld>
-    <p:spTree>
-      <p:nvGrpSpPr>
-        <p:cNvPr id="1" name=""/>
-        <p:cNvGrpSpPr/>
-        <p:nvPr/>
-      </p:nvGrpSpPr>
-      <p:grpSpPr>
-        <a:xfrm>
-          <a:off x="0" y="0"/>
-          <a:ext cx="0" cy="0"/>
-          <a:chOff x="0" y="0"/>
-          <a:chExt cx="0" cy="0"/>
-        </a:xfrm>
-      </p:grpSpPr>
-      <p:sp>
-        <p:nvSpPr>
-          <p:cNvPr id="2" name="Title 1">
-            <a:extLst>
-              <a:ext uri="{FF2B5EF4-FFF2-40B4-BE49-F238E27FC236}">
-                <a16:creationId xmlns:a16="http://schemas.microsoft.com/office/drawing/2014/main" id="{30EC4C07-B46A-98CD-9F37-E386F2C85C04}"/>
-              </a:ext>
-            </a:extLst>
-          </p:cNvPr>
-          <p:cNvSpPr>
-            <a:spLocks noGrp="1"/>
-          </p:cNvSpPr>
-          <p:nvPr>
-            <p:ph type="title"/>
-          </p:nvPr>
-        </p:nvSpPr>
-        <p:spPr>
-          <a:xfrm>
-            <a:off x="685800" y="764373"/>
-            <a:ext cx="10820400" cy="1293028"/>
-          </a:xfrm>
-        </p:spPr>
-        <p:txBody>
-          <a:bodyPr/>
-          <a:lstStyle/>
-          <a:p>
-            <a:pPr algn="ctr"/>
-            <a:r>
-              <a:rPr lang="en-US" dirty="0"/>
-              <a:t>PROPOSED SYSTEM</a:t>
-            </a:r>
-          </a:p>
-        </p:txBody>
-      </p:sp>
-      <p:sp>
-        <p:nvSpPr>
-          <p:cNvPr id="3" name="Content Placeholder 2">
-            <a:extLst>
-              <a:ext uri="{FF2B5EF4-FFF2-40B4-BE49-F238E27FC236}">
-                <a16:creationId xmlns:a16="http://schemas.microsoft.com/office/drawing/2014/main" id="{1DEDC49F-57D2-A00A-2D17-7250E388B62E}"/>
-              </a:ext>
-            </a:extLst>
-          </p:cNvPr>
-          <p:cNvSpPr>
-            <a:spLocks noGrp="1"/>
-          </p:cNvSpPr>
-          <p:nvPr>
-            <p:ph idx="1"/>
-          </p:nvPr>
-        </p:nvSpPr>
-        <p:spPr/>
-        <p:txBody>
-          <a:bodyPr/>
-          <a:lstStyle/>
-          <a:p>
-            <a:r>
-              <a:rPr lang="en-US" dirty="0"/>
-              <a:t>(</a:t>
-            </a:r>
-            <a:r>
-              <a:rPr lang="en-US" dirty="0" err="1"/>
-              <a:t>i</a:t>
-            </a:r>
-            <a:r>
-              <a:rPr lang="en-US" dirty="0"/>
-              <a:t>) Registration of User: assigns a unique ID to every user. The way to create unique IDs is discretion of the government body.</a:t>
-            </a:r>
-          </a:p>
-          <a:p>
-            <a:r>
-              <a:rPr lang="en-US" dirty="0"/>
-              <a:t>(ii) Sign-up and Login of User: allows users to undergo one-time sign-up process which would ease future logins.</a:t>
-            </a:r>
-          </a:p>
-          <a:p>
-            <a:r>
-              <a:rPr lang="en-US" dirty="0"/>
-              <a:t>(iii) Enrollment of Student: happens at the time of admission.</a:t>
-            </a:r>
-          </a:p>
-          <a:p>
-            <a:r>
-              <a:rPr lang="en-US" dirty="0"/>
-              <a:t>(iv) Uploading of Credential: by school or company or professor.</a:t>
-            </a:r>
-          </a:p>
-          <a:p>
-            <a:r>
-              <a:rPr lang="en-US" dirty="0"/>
-              <a:t>(v) Retrieval and Viewing of Credential: enables students to retrieve their credentials.</a:t>
-            </a:r>
-          </a:p>
-          <a:p>
-            <a:r>
-              <a:rPr lang="en-US" dirty="0"/>
-              <a:t>(vi) Searching Student Information: facilitates stakeholders to search student’s information</a:t>
-            </a:r>
-          </a:p>
-        </p:txBody>
-      </p:sp>
-      <p:sp>
-        <p:nvSpPr>
-          <p:cNvPr id="4" name="Slide Number Placeholder 3">
-            <a:extLst>
-              <a:ext uri="{FF2B5EF4-FFF2-40B4-BE49-F238E27FC236}">
-                <a16:creationId xmlns:a16="http://schemas.microsoft.com/office/drawing/2014/main" id="{56755429-3E13-544D-187A-D9B84916B36D}"/>
-              </a:ext>
-            </a:extLst>
-          </p:cNvPr>
-          <p:cNvSpPr>
-            <a:spLocks noGrp="1"/>
-          </p:cNvSpPr>
-          <p:nvPr>
-            <p:ph type="sldNum" sz="quarter" idx="12"/>
-          </p:nvPr>
-        </p:nvSpPr>
-        <p:spPr>
-          <a:xfrm>
-            <a:off x="9098902" y="6173281"/>
-            <a:ext cx="2743200" cy="365125"/>
-          </a:xfrm>
-        </p:spPr>
-        <p:txBody>
-          <a:bodyPr/>
-          <a:lstStyle/>
-          <a:p>
-            <a:fld id="{7153B590-63E1-4C27-B51A-4C6C22735D02}" type="slidenum">
-              <a:rPr lang="en-US" sz="1600" smtClean="0"/>
-              <a:t>11</a:t>
-            </a:fld>
-            <a:endParaRPr lang="en-US" sz="1600" dirty="0"/>
-          </a:p>
-        </p:txBody>
-      </p:sp>
-    </p:spTree>
-    <p:extLst>
-      <p:ext uri="{BB962C8B-B14F-4D97-AF65-F5344CB8AC3E}">
-        <p14:creationId xmlns:p14="http://schemas.microsoft.com/office/powerpoint/2010/main" val="2784253771"/>
-      </p:ext>
-    </p:extLst>
-  </p:cSld>
-  <p:clrMapOvr>
-    <a:masterClrMapping/>
-  </p:clrMapOvr>
-</p:sld>
-</file>
-
-<file path=ppt/slides/slide12.xml><?xml version="1.0" encoding="utf-8"?>
-<p:sld xmlns:a="http://schemas.openxmlformats.org/drawingml/2006/main" xmlns:r="http://schemas.openxmlformats.org/officeDocument/2006/relationships" xmlns:p="http://schemas.openxmlformats.org/presentationml/2006/main">
-  <p:cSld>
-    <p:spTree>
-      <p:nvGrpSpPr>
-        <p:cNvPr id="1" name=""/>
-        <p:cNvGrpSpPr/>
-        <p:nvPr/>
-      </p:nvGrpSpPr>
-      <p:grpSpPr>
-        <a:xfrm>
-          <a:off x="0" y="0"/>
-          <a:ext cx="0" cy="0"/>
-          <a:chOff x="0" y="0"/>
-          <a:chExt cx="0" cy="0"/>
-        </a:xfrm>
-      </p:grpSpPr>
-      <p:sp>
-        <p:nvSpPr>
-          <p:cNvPr id="2" name="Title 1">
-            <a:extLst>
-              <a:ext uri="{FF2B5EF4-FFF2-40B4-BE49-F238E27FC236}">
-                <a16:creationId xmlns:a16="http://schemas.microsoft.com/office/drawing/2014/main" id="{FF04BE3D-9D17-3691-5E45-DEA88CBFBEA7}"/>
-              </a:ext>
-            </a:extLst>
-          </p:cNvPr>
-          <p:cNvSpPr>
-            <a:spLocks noGrp="1"/>
-          </p:cNvSpPr>
-          <p:nvPr>
-            <p:ph type="title"/>
-          </p:nvPr>
-        </p:nvSpPr>
-        <p:spPr>
-          <a:xfrm>
-            <a:off x="685800" y="764373"/>
-            <a:ext cx="10820400" cy="1293028"/>
-          </a:xfrm>
-        </p:spPr>
-        <p:txBody>
-          <a:bodyPr/>
-          <a:lstStyle/>
-          <a:p>
-            <a:pPr algn="ctr"/>
-            <a:r>
-              <a:rPr lang="en-US" dirty="0"/>
-              <a:t>PROPOSED SYSTEM</a:t>
-            </a:r>
-          </a:p>
-        </p:txBody>
-      </p:sp>
-      <p:sp>
-        <p:nvSpPr>
-          <p:cNvPr id="3" name="Content Placeholder 2">
-            <a:extLst>
-              <a:ext uri="{FF2B5EF4-FFF2-40B4-BE49-F238E27FC236}">
-                <a16:creationId xmlns:a16="http://schemas.microsoft.com/office/drawing/2014/main" id="{E1F5B710-AC30-94B3-6E39-568B9A5B0355}"/>
-              </a:ext>
-            </a:extLst>
-          </p:cNvPr>
-          <p:cNvSpPr>
-            <a:spLocks noGrp="1"/>
-          </p:cNvSpPr>
-          <p:nvPr>
-            <p:ph idx="1"/>
-          </p:nvPr>
-        </p:nvSpPr>
-        <p:spPr/>
-        <p:txBody>
-          <a:bodyPr/>
-          <a:lstStyle/>
-          <a:p>
-            <a:r>
-              <a:rPr lang="en-US" dirty="0"/>
-              <a:t>(vii) Sending Access Request: allows schools, professors and companies to send access request to students to view their credentials.</a:t>
-            </a:r>
-          </a:p>
-          <a:p>
-            <a:r>
-              <a:rPr lang="en-US" dirty="0"/>
-              <a:t>(viii) Granting Access Right: empowers students to approve the received access requests. </a:t>
-            </a:r>
-          </a:p>
-        </p:txBody>
-      </p:sp>
-      <p:sp>
-        <p:nvSpPr>
-          <p:cNvPr id="4" name="Slide Number Placeholder 3">
-            <a:extLst>
-              <a:ext uri="{FF2B5EF4-FFF2-40B4-BE49-F238E27FC236}">
-                <a16:creationId xmlns:a16="http://schemas.microsoft.com/office/drawing/2014/main" id="{71230860-CB1E-28FA-B7F5-5F38B642D426}"/>
-              </a:ext>
-            </a:extLst>
-          </p:cNvPr>
-          <p:cNvSpPr>
-            <a:spLocks noGrp="1"/>
-          </p:cNvSpPr>
-          <p:nvPr>
-            <p:ph type="sldNum" sz="quarter" idx="12"/>
-          </p:nvPr>
-        </p:nvSpPr>
-        <p:spPr>
-          <a:xfrm>
-            <a:off x="9145555" y="6173281"/>
-            <a:ext cx="2743200" cy="365125"/>
-          </a:xfrm>
-        </p:spPr>
-        <p:txBody>
-          <a:bodyPr/>
-          <a:lstStyle/>
-          <a:p>
-            <a:fld id="{7153B590-63E1-4C27-B51A-4C6C22735D02}" type="slidenum">
-              <a:rPr lang="en-US" sz="1600" smtClean="0"/>
-              <a:t>12</a:t>
-            </a:fld>
-            <a:endParaRPr lang="en-US" sz="1600" dirty="0"/>
-          </a:p>
-        </p:txBody>
-      </p:sp>
-    </p:spTree>
-    <p:extLst>
-      <p:ext uri="{BB962C8B-B14F-4D97-AF65-F5344CB8AC3E}">
-        <p14:creationId xmlns:p14="http://schemas.microsoft.com/office/powerpoint/2010/main" val="4159697758"/>
-      </p:ext>
-    </p:extLst>
-  </p:cSld>
-  <p:clrMapOvr>
-    <a:masterClrMapping/>
-  </p:clrMapOvr>
-</p:sld>
-</file>
-
-<file path=ppt/slides/slide13.xml><?xml version="1.0" encoding="utf-8"?>
-<p:sld xmlns:a="http://schemas.openxmlformats.org/drawingml/2006/main" xmlns:r="http://schemas.openxmlformats.org/officeDocument/2006/relationships" xmlns:p="http://schemas.openxmlformats.org/presentationml/2006/main">
-  <p:cSld>
-    <p:spTree>
-      <p:nvGrpSpPr>
-        <p:cNvPr id="1" name=""/>
-        <p:cNvGrpSpPr/>
-        <p:nvPr/>
-      </p:nvGrpSpPr>
-      <p:grpSpPr>
-        <a:xfrm>
-          <a:off x="0" y="0"/>
-          <a:ext cx="0" cy="0"/>
-          <a:chOff x="0" y="0"/>
-          <a:chExt cx="0" cy="0"/>
-        </a:xfrm>
-      </p:grpSpPr>
-      <p:sp>
-        <p:nvSpPr>
-          <p:cNvPr id="2" name="Title 1">
-            <a:extLst>
-              <a:ext uri="{FF2B5EF4-FFF2-40B4-BE49-F238E27FC236}">
-                <a16:creationId xmlns:a16="http://schemas.microsoft.com/office/drawing/2014/main" id="{9829A559-0753-5044-C58A-4DE3826799C3}"/>
-              </a:ext>
-            </a:extLst>
-          </p:cNvPr>
-          <p:cNvSpPr>
-            <a:spLocks noGrp="1"/>
-          </p:cNvSpPr>
-          <p:nvPr>
-            <p:ph type="title"/>
-          </p:nvPr>
-        </p:nvSpPr>
-        <p:spPr>
-          <a:xfrm>
-            <a:off x="1673288" y="2910413"/>
-            <a:ext cx="8814319" cy="1293028"/>
-          </a:xfrm>
-        </p:spPr>
-        <p:txBody>
-          <a:bodyPr/>
-          <a:lstStyle/>
-          <a:p>
-            <a:pPr algn="ctr"/>
-            <a:r>
-              <a:rPr lang="en-US" dirty="0"/>
-              <a:t>THANK YOU</a:t>
-            </a:r>
-          </a:p>
-        </p:txBody>
-      </p:sp>
-      <p:sp>
-        <p:nvSpPr>
-          <p:cNvPr id="3" name="Slide Number Placeholder 2">
-            <a:extLst>
-              <a:ext uri="{FF2B5EF4-FFF2-40B4-BE49-F238E27FC236}">
-                <a16:creationId xmlns:a16="http://schemas.microsoft.com/office/drawing/2014/main" id="{EA13FA2D-C8CE-DEDC-04A7-14CDDAF56842}"/>
-              </a:ext>
-            </a:extLst>
-          </p:cNvPr>
-          <p:cNvSpPr>
-            <a:spLocks noGrp="1"/>
-          </p:cNvSpPr>
-          <p:nvPr>
-            <p:ph type="sldNum" sz="quarter" idx="12"/>
-          </p:nvPr>
-        </p:nvSpPr>
-        <p:spPr>
-          <a:xfrm>
-            <a:off x="9116007" y="6193972"/>
-            <a:ext cx="2743200" cy="365125"/>
-          </a:xfrm>
-        </p:spPr>
-        <p:txBody>
-          <a:bodyPr/>
-          <a:lstStyle/>
-          <a:p>
-            <a:fld id="{7153B590-63E1-4C27-B51A-4C6C22735D02}" type="slidenum">
-              <a:rPr lang="en-US" sz="1600" smtClean="0"/>
-              <a:t>13</a:t>
-            </a:fld>
-            <a:endParaRPr lang="en-US" sz="1600" dirty="0"/>
-          </a:p>
-        </p:txBody>
-      </p:sp>
-    </p:spTree>
-    <p:extLst>
-      <p:ext uri="{BB962C8B-B14F-4D97-AF65-F5344CB8AC3E}">
-        <p14:creationId xmlns:p14="http://schemas.microsoft.com/office/powerpoint/2010/main" val="785845646"/>
-      </p:ext>
-    </p:extLst>
-  </p:cSld>
-  <p:clrMapOvr>
-    <a:masterClrMapping/>
-  </p:clrMapOvr>
+  <mc:AlternateContent xmlns:mc="http://schemas.openxmlformats.org/markup-compatibility/2006">
+    <mc:Choice xmlns:p14="http://schemas.microsoft.com/office/powerpoint/2010/main" Requires="p14">
+      <p:transition spd="med">
+        <p14:reveal/>
+      </p:transition>
+    </mc:Choice>
+    <mc:Fallback>
+      <p:transition spd="med">
+        <p:fade/>
+      </p:transition>
+    </mc:Fallback>
+  </mc:AlternateContent>
 </p:sld>
 </file>
 
@@ -6807,7 +6508,7 @@
           <a:lstStyle/>
           <a:p>
             <a:r>
-              <a:rPr lang="en-US" dirty="0"/>
+              <a:rPr lang="en-US" b="1" dirty="0"/>
               <a:t>GROUP MEMBERS</a:t>
             </a:r>
           </a:p>
@@ -6953,6 +6654,323 @@
   <p:clrMapOvr>
     <a:masterClrMapping/>
   </p:clrMapOvr>
+  <mc:AlternateContent xmlns:mc="http://schemas.openxmlformats.org/markup-compatibility/2006">
+    <mc:Choice xmlns:p14="http://schemas.microsoft.com/office/powerpoint/2010/main" Requires="p14">
+      <p:transition spd="med">
+        <p14:reveal/>
+      </p:transition>
+    </mc:Choice>
+    <mc:Fallback>
+      <p:transition spd="med">
+        <p:fade/>
+      </p:transition>
+    </mc:Fallback>
+  </mc:AlternateContent>
+  <p:timing>
+    <p:tnLst>
+      <p:par>
+        <p:cTn id="1" dur="indefinite" restart="never" nodeType="tmRoot">
+          <p:childTnLst>
+            <p:seq concurrent="1" nextAc="seek">
+              <p:cTn id="2" dur="indefinite" nodeType="mainSeq">
+                <p:childTnLst>
+                  <p:par>
+                    <p:cTn id="3" fill="hold">
+                      <p:stCondLst>
+                        <p:cond delay="indefinite"/>
+                        <p:cond evt="onBegin" delay="0">
+                          <p:tn val="2"/>
+                        </p:cond>
+                      </p:stCondLst>
+                      <p:childTnLst>
+                        <p:par>
+                          <p:cTn id="4" fill="hold">
+                            <p:stCondLst>
+                              <p:cond delay="0"/>
+                            </p:stCondLst>
+                            <p:childTnLst>
+                              <p:par>
+                                <p:cTn id="5" presetID="10" presetClass="entr" presetSubtype="0" fill="hold" grpId="0" nodeType="withEffect">
+                                  <p:stCondLst>
+                                    <p:cond delay="0"/>
+                                  </p:stCondLst>
+                                  <p:childTnLst>
+                                    <p:set>
+                                      <p:cBhvr>
+                                        <p:cTn id="6" dur="1" fill="hold">
+                                          <p:stCondLst>
+                                            <p:cond delay="0"/>
+                                          </p:stCondLst>
+                                        </p:cTn>
+                                        <p:tgtEl>
+                                          <p:spTgt spid="2"/>
+                                        </p:tgtEl>
+                                        <p:attrNameLst>
+                                          <p:attrName>style.visibility</p:attrName>
+                                        </p:attrNameLst>
+                                      </p:cBhvr>
+                                      <p:to>
+                                        <p:strVal val="visible"/>
+                                      </p:to>
+                                    </p:set>
+                                    <p:animEffect transition="in" filter="fade">
+                                      <p:cBhvr>
+                                        <p:cTn id="7" dur="500"/>
+                                        <p:tgtEl>
+                                          <p:spTgt spid="2"/>
+                                        </p:tgtEl>
+                                      </p:cBhvr>
+                                    </p:animEffect>
+                                  </p:childTnLst>
+                                </p:cTn>
+                              </p:par>
+                              <p:par>
+                                <p:cTn id="8" presetID="22" presetClass="entr" presetSubtype="8" fill="hold" grpId="0" nodeType="withEffect">
+                                  <p:stCondLst>
+                                    <p:cond delay="1000"/>
+                                  </p:stCondLst>
+                                  <p:childTnLst>
+                                    <p:set>
+                                      <p:cBhvr>
+                                        <p:cTn id="9" dur="1" fill="hold">
+                                          <p:stCondLst>
+                                            <p:cond delay="0"/>
+                                          </p:stCondLst>
+                                        </p:cTn>
+                                        <p:tgtEl>
+                                          <p:spTgt spid="3">
+                                            <p:txEl>
+                                              <p:pRg st="0" end="0"/>
+                                            </p:txEl>
+                                          </p:spTgt>
+                                        </p:tgtEl>
+                                        <p:attrNameLst>
+                                          <p:attrName>style.visibility</p:attrName>
+                                        </p:attrNameLst>
+                                      </p:cBhvr>
+                                      <p:to>
+                                        <p:strVal val="visible"/>
+                                      </p:to>
+                                    </p:set>
+                                    <p:animEffect transition="in" filter="wipe(left)">
+                                      <p:cBhvr>
+                                        <p:cTn id="10" dur="500"/>
+                                        <p:tgtEl>
+                                          <p:spTgt spid="3">
+                                            <p:txEl>
+                                              <p:pRg st="0" end="0"/>
+                                            </p:txEl>
+                                          </p:spTgt>
+                                        </p:tgtEl>
+                                      </p:cBhvr>
+                                    </p:animEffect>
+                                  </p:childTnLst>
+                                </p:cTn>
+                              </p:par>
+                              <p:par>
+                                <p:cTn id="11" presetID="22" presetClass="entr" presetSubtype="8" fill="hold" grpId="0" nodeType="withEffect">
+                                  <p:stCondLst>
+                                    <p:cond delay="1000"/>
+                                  </p:stCondLst>
+                                  <p:childTnLst>
+                                    <p:set>
+                                      <p:cBhvr>
+                                        <p:cTn id="12" dur="1" fill="hold">
+                                          <p:stCondLst>
+                                            <p:cond delay="0"/>
+                                          </p:stCondLst>
+                                        </p:cTn>
+                                        <p:tgtEl>
+                                          <p:spTgt spid="3">
+                                            <p:txEl>
+                                              <p:pRg st="2" end="2"/>
+                                            </p:txEl>
+                                          </p:spTgt>
+                                        </p:tgtEl>
+                                        <p:attrNameLst>
+                                          <p:attrName>style.visibility</p:attrName>
+                                        </p:attrNameLst>
+                                      </p:cBhvr>
+                                      <p:to>
+                                        <p:strVal val="visible"/>
+                                      </p:to>
+                                    </p:set>
+                                    <p:animEffect transition="in" filter="wipe(left)">
+                                      <p:cBhvr>
+                                        <p:cTn id="13" dur="500"/>
+                                        <p:tgtEl>
+                                          <p:spTgt spid="3">
+                                            <p:txEl>
+                                              <p:pRg st="2" end="2"/>
+                                            </p:txEl>
+                                          </p:spTgt>
+                                        </p:tgtEl>
+                                      </p:cBhvr>
+                                    </p:animEffect>
+                                  </p:childTnLst>
+                                </p:cTn>
+                              </p:par>
+                              <p:par>
+                                <p:cTn id="14" presetID="22" presetClass="entr" presetSubtype="8" fill="hold" grpId="0" nodeType="withEffect">
+                                  <p:stCondLst>
+                                    <p:cond delay="1000"/>
+                                  </p:stCondLst>
+                                  <p:childTnLst>
+                                    <p:set>
+                                      <p:cBhvr>
+                                        <p:cTn id="15" dur="1" fill="hold">
+                                          <p:stCondLst>
+                                            <p:cond delay="0"/>
+                                          </p:stCondLst>
+                                        </p:cTn>
+                                        <p:tgtEl>
+                                          <p:spTgt spid="3">
+                                            <p:txEl>
+                                              <p:pRg st="4" end="4"/>
+                                            </p:txEl>
+                                          </p:spTgt>
+                                        </p:tgtEl>
+                                        <p:attrNameLst>
+                                          <p:attrName>style.visibility</p:attrName>
+                                        </p:attrNameLst>
+                                      </p:cBhvr>
+                                      <p:to>
+                                        <p:strVal val="visible"/>
+                                      </p:to>
+                                    </p:set>
+                                    <p:animEffect transition="in" filter="wipe(left)">
+                                      <p:cBhvr>
+                                        <p:cTn id="16" dur="500"/>
+                                        <p:tgtEl>
+                                          <p:spTgt spid="3">
+                                            <p:txEl>
+                                              <p:pRg st="4" end="4"/>
+                                            </p:txEl>
+                                          </p:spTgt>
+                                        </p:tgtEl>
+                                      </p:cBhvr>
+                                    </p:animEffect>
+                                  </p:childTnLst>
+                                </p:cTn>
+                              </p:par>
+                              <p:par>
+                                <p:cTn id="17" presetID="22" presetClass="entr" presetSubtype="8" fill="hold" grpId="0" nodeType="withEffect">
+                                  <p:stCondLst>
+                                    <p:cond delay="1000"/>
+                                  </p:stCondLst>
+                                  <p:childTnLst>
+                                    <p:set>
+                                      <p:cBhvr>
+                                        <p:cTn id="18" dur="1" fill="hold">
+                                          <p:stCondLst>
+                                            <p:cond delay="0"/>
+                                          </p:stCondLst>
+                                        </p:cTn>
+                                        <p:tgtEl>
+                                          <p:spTgt spid="3">
+                                            <p:txEl>
+                                              <p:pRg st="6" end="6"/>
+                                            </p:txEl>
+                                          </p:spTgt>
+                                        </p:tgtEl>
+                                        <p:attrNameLst>
+                                          <p:attrName>style.visibility</p:attrName>
+                                        </p:attrNameLst>
+                                      </p:cBhvr>
+                                      <p:to>
+                                        <p:strVal val="visible"/>
+                                      </p:to>
+                                    </p:set>
+                                    <p:animEffect transition="in" filter="wipe(left)">
+                                      <p:cBhvr>
+                                        <p:cTn id="19" dur="500"/>
+                                        <p:tgtEl>
+                                          <p:spTgt spid="3">
+                                            <p:txEl>
+                                              <p:pRg st="6" end="6"/>
+                                            </p:txEl>
+                                          </p:spTgt>
+                                        </p:tgtEl>
+                                      </p:cBhvr>
+                                    </p:animEffect>
+                                  </p:childTnLst>
+                                </p:cTn>
+                              </p:par>
+                              <p:par>
+                                <p:cTn id="20" presetID="22" presetClass="entr" presetSubtype="8" fill="hold" grpId="0" nodeType="withEffect">
+                                  <p:stCondLst>
+                                    <p:cond delay="1000"/>
+                                  </p:stCondLst>
+                                  <p:childTnLst>
+                                    <p:set>
+                                      <p:cBhvr>
+                                        <p:cTn id="21" dur="1" fill="hold">
+                                          <p:stCondLst>
+                                            <p:cond delay="0"/>
+                                          </p:stCondLst>
+                                        </p:cTn>
+                                        <p:tgtEl>
+                                          <p:spTgt spid="3">
+                                            <p:txEl>
+                                              <p:pRg st="8" end="8"/>
+                                            </p:txEl>
+                                          </p:spTgt>
+                                        </p:tgtEl>
+                                        <p:attrNameLst>
+                                          <p:attrName>style.visibility</p:attrName>
+                                        </p:attrNameLst>
+                                      </p:cBhvr>
+                                      <p:to>
+                                        <p:strVal val="visible"/>
+                                      </p:to>
+                                    </p:set>
+                                    <p:animEffect transition="in" filter="wipe(left)">
+                                      <p:cBhvr>
+                                        <p:cTn id="22" dur="500"/>
+                                        <p:tgtEl>
+                                          <p:spTgt spid="3">
+                                            <p:txEl>
+                                              <p:pRg st="8" end="8"/>
+                                            </p:txEl>
+                                          </p:spTgt>
+                                        </p:tgtEl>
+                                      </p:cBhvr>
+                                    </p:animEffect>
+                                  </p:childTnLst>
+                                </p:cTn>
+                              </p:par>
+                            </p:childTnLst>
+                          </p:cTn>
+                        </p:par>
+                      </p:childTnLst>
+                    </p:cTn>
+                  </p:par>
+                </p:childTnLst>
+              </p:cTn>
+              <p:prevCondLst>
+                <p:cond evt="onPrev" delay="0">
+                  <p:tgtEl>
+                    <p:sldTgt/>
+                  </p:tgtEl>
+                </p:cond>
+              </p:prevCondLst>
+              <p:nextCondLst>
+                <p:cond evt="onNext" delay="0">
+                  <p:tgtEl>
+                    <p:sldTgt/>
+                  </p:tgtEl>
+                </p:cond>
+              </p:nextCondLst>
+            </p:seq>
+          </p:childTnLst>
+        </p:cTn>
+      </p:par>
+    </p:tnLst>
+    <p:bldLst>
+      <p:bldP spid="2" grpId="0"/>
+      <p:bldP spid="3" grpId="0" build="p"/>
+    </p:bldLst>
+  </p:timing>
 </p:sld>
 </file>
 
@@ -7001,7 +7019,7 @@
           <a:p>
             <a:pPr algn="ctr"/>
             <a:r>
-              <a:rPr lang="en-US" dirty="0"/>
+              <a:rPr lang="en-US" b="1" dirty="0"/>
               <a:t>CONTENT</a:t>
             </a:r>
           </a:p>
@@ -7023,17 +7041,24 @@
             <p:ph idx="1"/>
           </p:nvPr>
         </p:nvSpPr>
-        <p:spPr/>
-        <p:txBody>
-          <a:bodyPr/>
+        <p:spPr>
+          <a:xfrm>
+            <a:off x="1310951" y="2390341"/>
+            <a:ext cx="10820400" cy="4024125"/>
+          </a:xfrm>
+        </p:spPr>
+        <p:txBody>
+          <a:bodyPr>
+            <a:normAutofit/>
+          </a:bodyPr>
           <a:lstStyle/>
           <a:p>
             <a:pPr marL="0" indent="0">
               <a:buNone/>
             </a:pPr>
             <a:r>
-              <a:rPr lang="en-US" dirty="0"/>
-              <a:t>1) ABSTRACT</a:t>
+              <a:rPr lang="en-US" sz="2400" dirty="0"/>
+              <a:t>1)  ABSTRACT</a:t>
             </a:r>
           </a:p>
           <a:p>
@@ -7041,8 +7066,8 @@
               <a:buNone/>
             </a:pPr>
             <a:r>
-              <a:rPr lang="en-US" dirty="0"/>
-              <a:t>2) SRS</a:t>
+              <a:rPr lang="en-US" sz="2400" dirty="0"/>
+              <a:t>2)  SRS</a:t>
             </a:r>
           </a:p>
         </p:txBody>
@@ -7091,6 +7116,266 @@
   <p:clrMapOvr>
     <a:masterClrMapping/>
   </p:clrMapOvr>
+  <mc:AlternateContent xmlns:mc="http://schemas.openxmlformats.org/markup-compatibility/2006">
+    <mc:Choice xmlns:p14="http://schemas.microsoft.com/office/powerpoint/2010/main" Requires="p14">
+      <p:transition spd="med">
+        <p14:reveal/>
+      </p:transition>
+    </mc:Choice>
+    <mc:Fallback>
+      <p:transition spd="med">
+        <p:fade/>
+      </p:transition>
+    </mc:Fallback>
+  </mc:AlternateContent>
+  <p:timing>
+    <p:tnLst>
+      <p:par>
+        <p:cTn id="1" dur="indefinite" restart="never" nodeType="tmRoot">
+          <p:childTnLst>
+            <p:seq concurrent="1" nextAc="seek">
+              <p:cTn id="2" dur="indefinite" nodeType="mainSeq">
+                <p:childTnLst>
+                  <p:par>
+                    <p:cTn id="3" fill="hold">
+                      <p:stCondLst>
+                        <p:cond delay="indefinite"/>
+                        <p:cond evt="onBegin" delay="0">
+                          <p:tn val="2"/>
+                        </p:cond>
+                      </p:stCondLst>
+                      <p:childTnLst>
+                        <p:par>
+                          <p:cTn id="4" fill="hold">
+                            <p:stCondLst>
+                              <p:cond delay="0"/>
+                            </p:stCondLst>
+                            <p:childTnLst>
+                              <p:par>
+                                <p:cTn id="5" presetID="42" presetClass="entr" presetSubtype="0" fill="hold" grpId="0" nodeType="withEffect">
+                                  <p:stCondLst>
+                                    <p:cond delay="500"/>
+                                  </p:stCondLst>
+                                  <p:childTnLst>
+                                    <p:set>
+                                      <p:cBhvr>
+                                        <p:cTn id="6" dur="1" fill="hold">
+                                          <p:stCondLst>
+                                            <p:cond delay="0"/>
+                                          </p:stCondLst>
+                                        </p:cTn>
+                                        <p:tgtEl>
+                                          <p:spTgt spid="3">
+                                            <p:txEl>
+                                              <p:pRg st="0" end="0"/>
+                                            </p:txEl>
+                                          </p:spTgt>
+                                        </p:tgtEl>
+                                        <p:attrNameLst>
+                                          <p:attrName>style.visibility</p:attrName>
+                                        </p:attrNameLst>
+                                      </p:cBhvr>
+                                      <p:to>
+                                        <p:strVal val="visible"/>
+                                      </p:to>
+                                    </p:set>
+                                    <p:animEffect transition="in" filter="fade">
+                                      <p:cBhvr>
+                                        <p:cTn id="7" dur="750"/>
+                                        <p:tgtEl>
+                                          <p:spTgt spid="3">
+                                            <p:txEl>
+                                              <p:pRg st="0" end="0"/>
+                                            </p:txEl>
+                                          </p:spTgt>
+                                        </p:tgtEl>
+                                      </p:cBhvr>
+                                    </p:animEffect>
+                                    <p:anim calcmode="lin" valueType="num">
+                                      <p:cBhvr>
+                                        <p:cTn id="8" dur="750" fill="hold"/>
+                                        <p:tgtEl>
+                                          <p:spTgt spid="3">
+                                            <p:txEl>
+                                              <p:pRg st="0" end="0"/>
+                                            </p:txEl>
+                                          </p:spTgt>
+                                        </p:tgtEl>
+                                        <p:attrNameLst>
+                                          <p:attrName>ppt_x</p:attrName>
+                                        </p:attrNameLst>
+                                      </p:cBhvr>
+                                      <p:tavLst>
+                                        <p:tav tm="0">
+                                          <p:val>
+                                            <p:strVal val="#ppt_x"/>
+                                          </p:val>
+                                        </p:tav>
+                                        <p:tav tm="100000">
+                                          <p:val>
+                                            <p:strVal val="#ppt_x"/>
+                                          </p:val>
+                                        </p:tav>
+                                      </p:tavLst>
+                                    </p:anim>
+                                    <p:anim calcmode="lin" valueType="num">
+                                      <p:cBhvr>
+                                        <p:cTn id="9" dur="750" fill="hold"/>
+                                        <p:tgtEl>
+                                          <p:spTgt spid="3">
+                                            <p:txEl>
+                                              <p:pRg st="0" end="0"/>
+                                            </p:txEl>
+                                          </p:spTgt>
+                                        </p:tgtEl>
+                                        <p:attrNameLst>
+                                          <p:attrName>ppt_y</p:attrName>
+                                        </p:attrNameLst>
+                                      </p:cBhvr>
+                                      <p:tavLst>
+                                        <p:tav tm="0">
+                                          <p:val>
+                                            <p:strVal val="#ppt_y+.1"/>
+                                          </p:val>
+                                        </p:tav>
+                                        <p:tav tm="100000">
+                                          <p:val>
+                                            <p:strVal val="#ppt_y"/>
+                                          </p:val>
+                                        </p:tav>
+                                      </p:tavLst>
+                                    </p:anim>
+                                  </p:childTnLst>
+                                </p:cTn>
+                              </p:par>
+                              <p:par>
+                                <p:cTn id="10" presetID="42" presetClass="entr" presetSubtype="0" fill="hold" grpId="0" nodeType="withEffect">
+                                  <p:stCondLst>
+                                    <p:cond delay="500"/>
+                                  </p:stCondLst>
+                                  <p:childTnLst>
+                                    <p:set>
+                                      <p:cBhvr>
+                                        <p:cTn id="11" dur="1" fill="hold">
+                                          <p:stCondLst>
+                                            <p:cond delay="0"/>
+                                          </p:stCondLst>
+                                        </p:cTn>
+                                        <p:tgtEl>
+                                          <p:spTgt spid="3">
+                                            <p:txEl>
+                                              <p:pRg st="1" end="1"/>
+                                            </p:txEl>
+                                          </p:spTgt>
+                                        </p:tgtEl>
+                                        <p:attrNameLst>
+                                          <p:attrName>style.visibility</p:attrName>
+                                        </p:attrNameLst>
+                                      </p:cBhvr>
+                                      <p:to>
+                                        <p:strVal val="visible"/>
+                                      </p:to>
+                                    </p:set>
+                                    <p:animEffect transition="in" filter="fade">
+                                      <p:cBhvr>
+                                        <p:cTn id="12" dur="750"/>
+                                        <p:tgtEl>
+                                          <p:spTgt spid="3">
+                                            <p:txEl>
+                                              <p:pRg st="1" end="1"/>
+                                            </p:txEl>
+                                          </p:spTgt>
+                                        </p:tgtEl>
+                                      </p:cBhvr>
+                                    </p:animEffect>
+                                    <p:anim calcmode="lin" valueType="num">
+                                      <p:cBhvr>
+                                        <p:cTn id="13" dur="750" fill="hold"/>
+                                        <p:tgtEl>
+                                          <p:spTgt spid="3">
+                                            <p:txEl>
+                                              <p:pRg st="1" end="1"/>
+                                            </p:txEl>
+                                          </p:spTgt>
+                                        </p:tgtEl>
+                                        <p:attrNameLst>
+                                          <p:attrName>ppt_x</p:attrName>
+                                        </p:attrNameLst>
+                                      </p:cBhvr>
+                                      <p:tavLst>
+                                        <p:tav tm="0">
+                                          <p:val>
+                                            <p:strVal val="#ppt_x"/>
+                                          </p:val>
+                                        </p:tav>
+                                        <p:tav tm="100000">
+                                          <p:val>
+                                            <p:strVal val="#ppt_x"/>
+                                          </p:val>
+                                        </p:tav>
+                                      </p:tavLst>
+                                    </p:anim>
+                                    <p:anim calcmode="lin" valueType="num">
+                                      <p:cBhvr>
+                                        <p:cTn id="14" dur="750" fill="hold"/>
+                                        <p:tgtEl>
+                                          <p:spTgt spid="3">
+                                            <p:txEl>
+                                              <p:pRg st="1" end="1"/>
+                                            </p:txEl>
+                                          </p:spTgt>
+                                        </p:tgtEl>
+                                        <p:attrNameLst>
+                                          <p:attrName>ppt_y</p:attrName>
+                                        </p:attrNameLst>
+                                      </p:cBhvr>
+                                      <p:tavLst>
+                                        <p:tav tm="0">
+                                          <p:val>
+                                            <p:strVal val="#ppt_y+.1"/>
+                                          </p:val>
+                                        </p:tav>
+                                        <p:tav tm="100000">
+                                          <p:val>
+                                            <p:strVal val="#ppt_y"/>
+                                          </p:val>
+                                        </p:tav>
+                                      </p:tavLst>
+                                    </p:anim>
+                                  </p:childTnLst>
+                                </p:cTn>
+                              </p:par>
+                            </p:childTnLst>
+                          </p:cTn>
+                        </p:par>
+                      </p:childTnLst>
+                    </p:cTn>
+                  </p:par>
+                </p:childTnLst>
+              </p:cTn>
+              <p:prevCondLst>
+                <p:cond evt="onPrev" delay="0">
+                  <p:tgtEl>
+                    <p:sldTgt/>
+                  </p:tgtEl>
+                </p:cond>
+              </p:prevCondLst>
+              <p:nextCondLst>
+                <p:cond evt="onNext" delay="0">
+                  <p:tgtEl>
+                    <p:sldTgt/>
+                  </p:tgtEl>
+                </p:cond>
+              </p:nextCondLst>
+            </p:seq>
+          </p:childTnLst>
+        </p:cTn>
+      </p:par>
+    </p:tnLst>
+    <p:bldLst>
+      <p:bldP spid="3" grpId="0" build="p"/>
+    </p:bldLst>
+  </p:timing>
 </p:sld>
 </file>
 
@@ -7139,7 +7424,7 @@
           <a:p>
             <a:pPr algn="ctr"/>
             <a:r>
-              <a:rPr lang="en-US" dirty="0"/>
+              <a:rPr lang="en-US" b="1" dirty="0"/>
               <a:t>ABSTRACT</a:t>
             </a:r>
           </a:p>
@@ -7186,25 +7471,27 @@
             <a:r>
               <a:rPr lang="en-US" sz="1800" b="0" i="0" u="none" strike="noStrike" dirty="0">
                 <a:effectLst/>
-                <a:latin typeface="Roboto" panose="02000000000000000000" pitchFamily="2" charset="0"/>
+                <a:latin typeface="+mj-lt"/>
               </a:rPr>
               <a:t>In the era of digital transformation, traditional methods of verifying and sharing academic credentials face numerous challenges, including fraud, inefficiency, and a lack of transparency. This abstract outlines the development of a decentralized application (</a:t>
             </a:r>
             <a:r>
               <a:rPr lang="en-US" sz="1800" b="0" i="0" u="none" strike="noStrike" dirty="0" err="1">
                 <a:effectLst/>
-                <a:latin typeface="Roboto" panose="02000000000000000000" pitchFamily="2" charset="0"/>
+                <a:latin typeface="+mj-lt"/>
               </a:rPr>
               <a:t>DApp</a:t>
             </a:r>
             <a:r>
               <a:rPr lang="en-US" sz="1800" b="0" i="0" u="none" strike="noStrike" dirty="0">
                 <a:effectLst/>
-                <a:latin typeface="Roboto" panose="02000000000000000000" pitchFamily="2" charset="0"/>
+                <a:latin typeface="+mj-lt"/>
               </a:rPr>
               <a:t>) utilizing blockchain technology to securely manage and share student credentials .This introduces a novel approach to credential sharing by leveraging the power of blockchain, specifically Ethereum, to create a tamper-proof, transparent, and user-centric system. In this decentralized ecosystem, students are given ownership of their academic records, ensuring privacy and control over their data .</a:t>
             </a:r>
-            <a:endParaRPr lang="en-US" dirty="0"/>
+            <a:endParaRPr lang="en-US" dirty="0">
+              <a:latin typeface="+mj-lt"/>
+            </a:endParaRPr>
           </a:p>
         </p:txBody>
       </p:sp>
@@ -7252,6 +7539,115 @@
   <p:clrMapOvr>
     <a:masterClrMapping/>
   </p:clrMapOvr>
+  <mc:AlternateContent xmlns:mc="http://schemas.openxmlformats.org/markup-compatibility/2006">
+    <mc:Choice xmlns:p14="http://schemas.microsoft.com/office/powerpoint/2010/main" Requires="p14">
+      <p:transition spd="med">
+        <p14:reveal/>
+      </p:transition>
+    </mc:Choice>
+    <mc:Fallback>
+      <p:transition spd="med">
+        <p:fade/>
+      </p:transition>
+    </mc:Fallback>
+  </mc:AlternateContent>
+  <p:timing>
+    <p:tnLst>
+      <p:par>
+        <p:cTn id="1" dur="indefinite" restart="never" nodeType="tmRoot">
+          <p:childTnLst>
+            <p:seq concurrent="1" nextAc="seek">
+              <p:cTn id="2" dur="indefinite" nodeType="mainSeq">
+                <p:childTnLst>
+                  <p:par>
+                    <p:cTn id="3" fill="hold">
+                      <p:stCondLst>
+                        <p:cond delay="indefinite"/>
+                        <p:cond evt="onBegin" delay="0">
+                          <p:tn val="2"/>
+                        </p:cond>
+                      </p:stCondLst>
+                      <p:childTnLst>
+                        <p:par>
+                          <p:cTn id="4" fill="hold">
+                            <p:stCondLst>
+                              <p:cond delay="0"/>
+                            </p:stCondLst>
+                            <p:childTnLst>
+                              <p:par>
+                                <p:cTn id="5" presetID="22" presetClass="entr" presetSubtype="1" fill="hold" grpId="0" nodeType="withEffect">
+                                  <p:stCondLst>
+                                    <p:cond delay="0"/>
+                                  </p:stCondLst>
+                                  <p:childTnLst>
+                                    <p:set>
+                                      <p:cBhvr>
+                                        <p:cTn id="6" dur="1" fill="hold">
+                                          <p:stCondLst>
+                                            <p:cond delay="0"/>
+                                          </p:stCondLst>
+                                        </p:cTn>
+                                        <p:tgtEl>
+                                          <p:spTgt spid="3">
+                                            <p:txEl>
+                                              <p:pRg st="1" end="1"/>
+                                            </p:txEl>
+                                          </p:spTgt>
+                                        </p:tgtEl>
+                                        <p:attrNameLst>
+                                          <p:attrName>style.visibility</p:attrName>
+                                        </p:attrNameLst>
+                                      </p:cBhvr>
+                                      <p:to>
+                                        <p:strVal val="visible"/>
+                                      </p:to>
+                                    </p:set>
+                                    <p:animEffect transition="in" filter="wipe(up)">
+                                      <p:cBhvr>
+                                        <p:cTn id="7" dur="500"/>
+                                        <p:tgtEl>
+                                          <p:spTgt spid="3">
+                                            <p:txEl>
+                                              <p:pRg st="1" end="1"/>
+                                            </p:txEl>
+                                          </p:spTgt>
+                                        </p:tgtEl>
+                                      </p:cBhvr>
+                                    </p:animEffect>
+                                  </p:childTnLst>
+                                </p:cTn>
+                              </p:par>
+                            </p:childTnLst>
+                          </p:cTn>
+                        </p:par>
+                      </p:childTnLst>
+                    </p:cTn>
+                  </p:par>
+                </p:childTnLst>
+              </p:cTn>
+              <p:prevCondLst>
+                <p:cond evt="onPrev" delay="0">
+                  <p:tgtEl>
+                    <p:sldTgt/>
+                  </p:tgtEl>
+                </p:cond>
+              </p:prevCondLst>
+              <p:nextCondLst>
+                <p:cond evt="onNext" delay="0">
+                  <p:tgtEl>
+                    <p:sldTgt/>
+                  </p:tgtEl>
+                </p:cond>
+              </p:nextCondLst>
+            </p:seq>
+          </p:childTnLst>
+        </p:cTn>
+      </p:par>
+    </p:tnLst>
+    <p:bldLst>
+      <p:bldP spid="3" grpId="0" build="allAtOnce"/>
+    </p:bldLst>
+  </p:timing>
 </p:sld>
 </file>
 
@@ -7324,7 +7720,7 @@
         </p:nvSpPr>
         <p:spPr>
           <a:xfrm>
-            <a:off x="685800" y="1782147"/>
+            <a:off x="685800" y="1716830"/>
             <a:ext cx="10820400" cy="4573697"/>
           </a:xfrm>
         </p:spPr>
@@ -7424,6 +7820,323 @@
   <p:clrMapOvr>
     <a:masterClrMapping/>
   </p:clrMapOvr>
+  <mc:AlternateContent xmlns:mc="http://schemas.openxmlformats.org/markup-compatibility/2006">
+    <mc:Choice xmlns:p14="http://schemas.microsoft.com/office/powerpoint/2010/main" Requires="p14">
+      <p:transition spd="med">
+        <p14:reveal/>
+      </p:transition>
+    </mc:Choice>
+    <mc:Fallback>
+      <p:transition spd="med">
+        <p:fade/>
+      </p:transition>
+    </mc:Fallback>
+  </mc:AlternateContent>
+  <p:timing>
+    <p:tnLst>
+      <p:par>
+        <p:cTn id="1" dur="indefinite" restart="never" nodeType="tmRoot">
+          <p:childTnLst>
+            <p:seq concurrent="1" nextAc="seek">
+              <p:cTn id="2" dur="indefinite" nodeType="mainSeq">
+                <p:childTnLst>
+                  <p:par>
+                    <p:cTn id="3" fill="hold">
+                      <p:stCondLst>
+                        <p:cond delay="indefinite"/>
+                        <p:cond evt="onBegin" delay="0">
+                          <p:tn val="2"/>
+                        </p:cond>
+                      </p:stCondLst>
+                      <p:childTnLst>
+                        <p:par>
+                          <p:cTn id="4" fill="hold">
+                            <p:stCondLst>
+                              <p:cond delay="0"/>
+                            </p:stCondLst>
+                            <p:childTnLst>
+                              <p:par>
+                                <p:cTn id="5" presetID="10" presetClass="entr" presetSubtype="0" fill="hold" grpId="0" nodeType="withEffect">
+                                  <p:stCondLst>
+                                    <p:cond delay="0"/>
+                                  </p:stCondLst>
+                                  <p:childTnLst>
+                                    <p:set>
+                                      <p:cBhvr>
+                                        <p:cTn id="6" dur="1" fill="hold">
+                                          <p:stCondLst>
+                                            <p:cond delay="0"/>
+                                          </p:stCondLst>
+                                        </p:cTn>
+                                        <p:tgtEl>
+                                          <p:spTgt spid="2"/>
+                                        </p:tgtEl>
+                                        <p:attrNameLst>
+                                          <p:attrName>style.visibility</p:attrName>
+                                        </p:attrNameLst>
+                                      </p:cBhvr>
+                                      <p:to>
+                                        <p:strVal val="visible"/>
+                                      </p:to>
+                                    </p:set>
+                                    <p:animEffect transition="in" filter="fade">
+                                      <p:cBhvr>
+                                        <p:cTn id="7" dur="500"/>
+                                        <p:tgtEl>
+                                          <p:spTgt spid="2"/>
+                                        </p:tgtEl>
+                                      </p:cBhvr>
+                                    </p:animEffect>
+                                  </p:childTnLst>
+                                </p:cTn>
+                              </p:par>
+                              <p:par>
+                                <p:cTn id="8" presetID="22" presetClass="entr" presetSubtype="4" fill="hold" grpId="0" nodeType="withEffect">
+                                  <p:stCondLst>
+                                    <p:cond delay="0"/>
+                                  </p:stCondLst>
+                                  <p:childTnLst>
+                                    <p:set>
+                                      <p:cBhvr>
+                                        <p:cTn id="9" dur="1" fill="hold">
+                                          <p:stCondLst>
+                                            <p:cond delay="0"/>
+                                          </p:stCondLst>
+                                        </p:cTn>
+                                        <p:tgtEl>
+                                          <p:spTgt spid="3">
+                                            <p:txEl>
+                                              <p:pRg st="0" end="0"/>
+                                            </p:txEl>
+                                          </p:spTgt>
+                                        </p:tgtEl>
+                                        <p:attrNameLst>
+                                          <p:attrName>style.visibility</p:attrName>
+                                        </p:attrNameLst>
+                                      </p:cBhvr>
+                                      <p:to>
+                                        <p:strVal val="visible"/>
+                                      </p:to>
+                                    </p:set>
+                                    <p:animEffect transition="in" filter="wipe(down)">
+                                      <p:cBhvr>
+                                        <p:cTn id="10" dur="500"/>
+                                        <p:tgtEl>
+                                          <p:spTgt spid="3">
+                                            <p:txEl>
+                                              <p:pRg st="0" end="0"/>
+                                            </p:txEl>
+                                          </p:spTgt>
+                                        </p:tgtEl>
+                                      </p:cBhvr>
+                                    </p:animEffect>
+                                  </p:childTnLst>
+                                </p:cTn>
+                              </p:par>
+                              <p:par>
+                                <p:cTn id="11" presetID="22" presetClass="entr" presetSubtype="4" fill="hold" grpId="0" nodeType="withEffect">
+                                  <p:stCondLst>
+                                    <p:cond delay="0"/>
+                                  </p:stCondLst>
+                                  <p:childTnLst>
+                                    <p:set>
+                                      <p:cBhvr>
+                                        <p:cTn id="12" dur="1" fill="hold">
+                                          <p:stCondLst>
+                                            <p:cond delay="0"/>
+                                          </p:stCondLst>
+                                        </p:cTn>
+                                        <p:tgtEl>
+                                          <p:spTgt spid="3">
+                                            <p:txEl>
+                                              <p:pRg st="2" end="2"/>
+                                            </p:txEl>
+                                          </p:spTgt>
+                                        </p:tgtEl>
+                                        <p:attrNameLst>
+                                          <p:attrName>style.visibility</p:attrName>
+                                        </p:attrNameLst>
+                                      </p:cBhvr>
+                                      <p:to>
+                                        <p:strVal val="visible"/>
+                                      </p:to>
+                                    </p:set>
+                                    <p:animEffect transition="in" filter="wipe(down)">
+                                      <p:cBhvr>
+                                        <p:cTn id="13" dur="500"/>
+                                        <p:tgtEl>
+                                          <p:spTgt spid="3">
+                                            <p:txEl>
+                                              <p:pRg st="2" end="2"/>
+                                            </p:txEl>
+                                          </p:spTgt>
+                                        </p:tgtEl>
+                                      </p:cBhvr>
+                                    </p:animEffect>
+                                  </p:childTnLst>
+                                </p:cTn>
+                              </p:par>
+                              <p:par>
+                                <p:cTn id="14" presetID="22" presetClass="entr" presetSubtype="4" fill="hold" grpId="0" nodeType="withEffect">
+                                  <p:stCondLst>
+                                    <p:cond delay="0"/>
+                                  </p:stCondLst>
+                                  <p:childTnLst>
+                                    <p:set>
+                                      <p:cBhvr>
+                                        <p:cTn id="15" dur="1" fill="hold">
+                                          <p:stCondLst>
+                                            <p:cond delay="0"/>
+                                          </p:stCondLst>
+                                        </p:cTn>
+                                        <p:tgtEl>
+                                          <p:spTgt spid="3">
+                                            <p:txEl>
+                                              <p:pRg st="3" end="3"/>
+                                            </p:txEl>
+                                          </p:spTgt>
+                                        </p:tgtEl>
+                                        <p:attrNameLst>
+                                          <p:attrName>style.visibility</p:attrName>
+                                        </p:attrNameLst>
+                                      </p:cBhvr>
+                                      <p:to>
+                                        <p:strVal val="visible"/>
+                                      </p:to>
+                                    </p:set>
+                                    <p:animEffect transition="in" filter="wipe(down)">
+                                      <p:cBhvr>
+                                        <p:cTn id="16" dur="500"/>
+                                        <p:tgtEl>
+                                          <p:spTgt spid="3">
+                                            <p:txEl>
+                                              <p:pRg st="3" end="3"/>
+                                            </p:txEl>
+                                          </p:spTgt>
+                                        </p:tgtEl>
+                                      </p:cBhvr>
+                                    </p:animEffect>
+                                  </p:childTnLst>
+                                </p:cTn>
+                              </p:par>
+                              <p:par>
+                                <p:cTn id="17" presetID="22" presetClass="entr" presetSubtype="4" fill="hold" grpId="0" nodeType="withEffect">
+                                  <p:stCondLst>
+                                    <p:cond delay="0"/>
+                                  </p:stCondLst>
+                                  <p:childTnLst>
+                                    <p:set>
+                                      <p:cBhvr>
+                                        <p:cTn id="18" dur="1" fill="hold">
+                                          <p:stCondLst>
+                                            <p:cond delay="0"/>
+                                          </p:stCondLst>
+                                        </p:cTn>
+                                        <p:tgtEl>
+                                          <p:spTgt spid="3">
+                                            <p:txEl>
+                                              <p:pRg st="4" end="4"/>
+                                            </p:txEl>
+                                          </p:spTgt>
+                                        </p:tgtEl>
+                                        <p:attrNameLst>
+                                          <p:attrName>style.visibility</p:attrName>
+                                        </p:attrNameLst>
+                                      </p:cBhvr>
+                                      <p:to>
+                                        <p:strVal val="visible"/>
+                                      </p:to>
+                                    </p:set>
+                                    <p:animEffect transition="in" filter="wipe(down)">
+                                      <p:cBhvr>
+                                        <p:cTn id="19" dur="500"/>
+                                        <p:tgtEl>
+                                          <p:spTgt spid="3">
+                                            <p:txEl>
+                                              <p:pRg st="4" end="4"/>
+                                            </p:txEl>
+                                          </p:spTgt>
+                                        </p:tgtEl>
+                                      </p:cBhvr>
+                                    </p:animEffect>
+                                  </p:childTnLst>
+                                </p:cTn>
+                              </p:par>
+                              <p:par>
+                                <p:cTn id="20" presetID="22" presetClass="entr" presetSubtype="4" fill="hold" grpId="0" nodeType="withEffect">
+                                  <p:stCondLst>
+                                    <p:cond delay="0"/>
+                                  </p:stCondLst>
+                                  <p:childTnLst>
+                                    <p:set>
+                                      <p:cBhvr>
+                                        <p:cTn id="21" dur="1" fill="hold">
+                                          <p:stCondLst>
+                                            <p:cond delay="0"/>
+                                          </p:stCondLst>
+                                        </p:cTn>
+                                        <p:tgtEl>
+                                          <p:spTgt spid="3">
+                                            <p:txEl>
+                                              <p:pRg st="5" end="5"/>
+                                            </p:txEl>
+                                          </p:spTgt>
+                                        </p:tgtEl>
+                                        <p:attrNameLst>
+                                          <p:attrName>style.visibility</p:attrName>
+                                        </p:attrNameLst>
+                                      </p:cBhvr>
+                                      <p:to>
+                                        <p:strVal val="visible"/>
+                                      </p:to>
+                                    </p:set>
+                                    <p:animEffect transition="in" filter="wipe(down)">
+                                      <p:cBhvr>
+                                        <p:cTn id="22" dur="500"/>
+                                        <p:tgtEl>
+                                          <p:spTgt spid="3">
+                                            <p:txEl>
+                                              <p:pRg st="5" end="5"/>
+                                            </p:txEl>
+                                          </p:spTgt>
+                                        </p:tgtEl>
+                                      </p:cBhvr>
+                                    </p:animEffect>
+                                  </p:childTnLst>
+                                </p:cTn>
+                              </p:par>
+                            </p:childTnLst>
+                          </p:cTn>
+                        </p:par>
+                      </p:childTnLst>
+                    </p:cTn>
+                  </p:par>
+                </p:childTnLst>
+              </p:cTn>
+              <p:prevCondLst>
+                <p:cond evt="onPrev" delay="0">
+                  <p:tgtEl>
+                    <p:sldTgt/>
+                  </p:tgtEl>
+                </p:cond>
+              </p:prevCondLst>
+              <p:nextCondLst>
+                <p:cond evt="onNext" delay="0">
+                  <p:tgtEl>
+                    <p:sldTgt/>
+                  </p:tgtEl>
+                </p:cond>
+              </p:nextCondLst>
+            </p:seq>
+          </p:childTnLst>
+        </p:cTn>
+      </p:par>
+    </p:tnLst>
+    <p:bldLst>
+      <p:bldP spid="2" grpId="0"/>
+      <p:bldP spid="3" grpId="0" build="p"/>
+    </p:bldLst>
+  </p:timing>
 </p:sld>
 </file>
 
@@ -7446,40 +8159,6 @@
       </p:grpSpPr>
       <p:sp>
         <p:nvSpPr>
-          <p:cNvPr id="2" name="Title 1">
-            <a:extLst>
-              <a:ext uri="{FF2B5EF4-FFF2-40B4-BE49-F238E27FC236}">
-                <a16:creationId xmlns:a16="http://schemas.microsoft.com/office/drawing/2014/main" id="{28304327-F701-C100-CCD5-6D6E61138631}"/>
-              </a:ext>
-            </a:extLst>
-          </p:cNvPr>
-          <p:cNvSpPr>
-            <a:spLocks noGrp="1"/>
-          </p:cNvSpPr>
-          <p:nvPr>
-            <p:ph type="title"/>
-          </p:nvPr>
-        </p:nvSpPr>
-        <p:spPr>
-          <a:xfrm>
-            <a:off x="685800" y="764373"/>
-            <a:ext cx="10820400" cy="1293028"/>
-          </a:xfrm>
-        </p:spPr>
-        <p:txBody>
-          <a:bodyPr/>
-          <a:lstStyle/>
-          <a:p>
-            <a:pPr algn="ctr"/>
-            <a:r>
-              <a:rPr lang="en-US" dirty="0"/>
-              <a:t>SRS</a:t>
-            </a:r>
-          </a:p>
-        </p:txBody>
-      </p:sp>
-      <p:sp>
-        <p:nvSpPr>
           <p:cNvPr id="3" name="Content Placeholder 2">
             <a:extLst>
               <a:ext uri="{FF2B5EF4-FFF2-40B4-BE49-F238E27FC236}">
@@ -7496,23 +8175,25 @@
         </p:nvSpPr>
         <p:spPr>
           <a:xfrm>
-            <a:off x="685800" y="2057401"/>
+            <a:off x="1282960" y="1842791"/>
             <a:ext cx="10820400" cy="4161284"/>
           </a:xfrm>
         </p:spPr>
         <p:txBody>
-          <a:bodyPr/>
+          <a:bodyPr>
+            <a:normAutofit/>
+          </a:bodyPr>
           <a:lstStyle/>
           <a:p>
             <a:pPr marL="0" indent="0">
               <a:buNone/>
             </a:pPr>
             <a:r>
-              <a:rPr lang="en-US" dirty="0"/>
+              <a:rPr lang="en-US" sz="2400" dirty="0"/>
               <a:t> </a:t>
             </a:r>
             <a:r>
-              <a:rPr lang="en-US" sz="2800" u="sng" dirty="0"/>
+              <a:rPr lang="en-US" sz="3200" u="sng" dirty="0"/>
               <a:t>LANGUAGES USED</a:t>
             </a:r>
           </a:p>
@@ -7520,37 +8201,30 @@
             <a:pPr marL="0" indent="0">
               <a:buNone/>
             </a:pPr>
-            <a:endParaRPr lang="en-US" sz="2800" u="sng" dirty="0"/>
-          </a:p>
-          <a:p>
-            <a:r>
-              <a:rPr lang="en-US" dirty="0"/>
+            <a:endParaRPr lang="en-US" sz="3200" u="sng" dirty="0"/>
+          </a:p>
+          <a:p>
+            <a:r>
+              <a:rPr lang="en-US" sz="2400" dirty="0"/>
               <a:t>Web3js</a:t>
             </a:r>
           </a:p>
           <a:p>
             <a:r>
-              <a:rPr lang="en-US" dirty="0" err="1"/>
-              <a:t>Metamask</a:t>
-            </a:r>
-            <a:endParaRPr lang="en-US" dirty="0"/>
-          </a:p>
-          <a:p>
-            <a:r>
-              <a:rPr lang="en-US" dirty="0"/>
+              <a:rPr lang="en-US" sz="2400" dirty="0"/>
               <a:t>Solidity</a:t>
             </a:r>
           </a:p>
           <a:p>
             <a:r>
-              <a:rPr lang="en-US" dirty="0"/>
+              <a:rPr lang="en-US" sz="2400" dirty="0"/>
               <a:t>React</a:t>
             </a:r>
           </a:p>
           <a:p>
             <a:r>
-              <a:rPr lang="en-US" dirty="0"/>
-              <a:t>node.js</a:t>
+              <a:rPr lang="en-US" sz="2400" dirty="0"/>
+              <a:t>Node.js</a:t>
             </a:r>
           </a:p>
         </p:txBody>
@@ -7599,6 +8273,287 @@
   <p:clrMapOvr>
     <a:masterClrMapping/>
   </p:clrMapOvr>
+  <mc:AlternateContent xmlns:mc="http://schemas.openxmlformats.org/markup-compatibility/2006">
+    <mc:Choice xmlns:p14="http://schemas.microsoft.com/office/powerpoint/2010/main" Requires="p14">
+      <p:transition spd="med">
+        <p14:reveal/>
+      </p:transition>
+    </mc:Choice>
+    <mc:Fallback>
+      <p:transition spd="med">
+        <p:fade/>
+      </p:transition>
+    </mc:Fallback>
+  </mc:AlternateContent>
+  <p:timing>
+    <p:tnLst>
+      <p:par>
+        <p:cTn id="1" dur="indefinite" restart="never" nodeType="tmRoot">
+          <p:childTnLst>
+            <p:seq concurrent="1" nextAc="seek">
+              <p:cTn id="2" dur="indefinite" nodeType="mainSeq">
+                <p:childTnLst>
+                  <p:par>
+                    <p:cTn id="3" fill="hold">
+                      <p:stCondLst>
+                        <p:cond delay="indefinite"/>
+                        <p:cond evt="onBegin" delay="0">
+                          <p:tn val="2"/>
+                        </p:cond>
+                      </p:stCondLst>
+                      <p:childTnLst>
+                        <p:par>
+                          <p:cTn id="4" fill="hold">
+                            <p:stCondLst>
+                              <p:cond delay="0"/>
+                            </p:stCondLst>
+                            <p:childTnLst>
+                              <p:par>
+                                <p:cTn id="5" presetID="22" presetClass="entr" presetSubtype="4" fill="hold" grpId="0" nodeType="withEffect">
+                                  <p:stCondLst>
+                                    <p:cond delay="0"/>
+                                  </p:stCondLst>
+                                  <p:childTnLst>
+                                    <p:set>
+                                      <p:cBhvr>
+                                        <p:cTn id="6" dur="1" fill="hold">
+                                          <p:stCondLst>
+                                            <p:cond delay="0"/>
+                                          </p:stCondLst>
+                                        </p:cTn>
+                                        <p:tgtEl>
+                                          <p:spTgt spid="3">
+                                            <p:txEl>
+                                              <p:pRg st="0" end="0"/>
+                                            </p:txEl>
+                                          </p:spTgt>
+                                        </p:tgtEl>
+                                        <p:attrNameLst>
+                                          <p:attrName>style.visibility</p:attrName>
+                                        </p:attrNameLst>
+                                      </p:cBhvr>
+                                      <p:to>
+                                        <p:strVal val="visible"/>
+                                      </p:to>
+                                    </p:set>
+                                    <p:animEffect transition="in" filter="wipe(down)">
+                                      <p:cBhvr>
+                                        <p:cTn id="7" dur="500"/>
+                                        <p:tgtEl>
+                                          <p:spTgt spid="3">
+                                            <p:txEl>
+                                              <p:pRg st="0" end="0"/>
+                                            </p:txEl>
+                                          </p:spTgt>
+                                        </p:tgtEl>
+                                      </p:cBhvr>
+                                    </p:animEffect>
+                                  </p:childTnLst>
+                                </p:cTn>
+                              </p:par>
+                              <p:par>
+                                <p:cTn id="8" presetID="22" presetClass="entr" presetSubtype="4" fill="hold" grpId="0" nodeType="withEffect">
+                                  <p:stCondLst>
+                                    <p:cond delay="0"/>
+                                  </p:stCondLst>
+                                  <p:childTnLst>
+                                    <p:set>
+                                      <p:cBhvr>
+                                        <p:cTn id="9" dur="1" fill="hold">
+                                          <p:stCondLst>
+                                            <p:cond delay="0"/>
+                                          </p:stCondLst>
+                                        </p:cTn>
+                                        <p:tgtEl>
+                                          <p:spTgt spid="3">
+                                            <p:txEl>
+                                              <p:pRg st="2" end="2"/>
+                                            </p:txEl>
+                                          </p:spTgt>
+                                        </p:tgtEl>
+                                        <p:attrNameLst>
+                                          <p:attrName>style.visibility</p:attrName>
+                                        </p:attrNameLst>
+                                      </p:cBhvr>
+                                      <p:to>
+                                        <p:strVal val="visible"/>
+                                      </p:to>
+                                    </p:set>
+                                    <p:animEffect transition="in" filter="wipe(down)">
+                                      <p:cBhvr>
+                                        <p:cTn id="10" dur="500"/>
+                                        <p:tgtEl>
+                                          <p:spTgt spid="3">
+                                            <p:txEl>
+                                              <p:pRg st="2" end="2"/>
+                                            </p:txEl>
+                                          </p:spTgt>
+                                        </p:tgtEl>
+                                      </p:cBhvr>
+                                    </p:animEffect>
+                                  </p:childTnLst>
+                                </p:cTn>
+                              </p:par>
+                              <p:par>
+                                <p:cTn id="11" presetID="22" presetClass="entr" presetSubtype="4" fill="hold" grpId="0" nodeType="withEffect">
+                                  <p:stCondLst>
+                                    <p:cond delay="0"/>
+                                  </p:stCondLst>
+                                  <p:childTnLst>
+                                    <p:set>
+                                      <p:cBhvr>
+                                        <p:cTn id="12" dur="1" fill="hold">
+                                          <p:stCondLst>
+                                            <p:cond delay="0"/>
+                                          </p:stCondLst>
+                                        </p:cTn>
+                                        <p:tgtEl>
+                                          <p:spTgt spid="3">
+                                            <p:txEl>
+                                              <p:pRg st="3" end="3"/>
+                                            </p:txEl>
+                                          </p:spTgt>
+                                        </p:tgtEl>
+                                        <p:attrNameLst>
+                                          <p:attrName>style.visibility</p:attrName>
+                                        </p:attrNameLst>
+                                      </p:cBhvr>
+                                      <p:to>
+                                        <p:strVal val="visible"/>
+                                      </p:to>
+                                    </p:set>
+                                    <p:animEffect transition="in" filter="wipe(down)">
+                                      <p:cBhvr>
+                                        <p:cTn id="13" dur="500"/>
+                                        <p:tgtEl>
+                                          <p:spTgt spid="3">
+                                            <p:txEl>
+                                              <p:pRg st="3" end="3"/>
+                                            </p:txEl>
+                                          </p:spTgt>
+                                        </p:tgtEl>
+                                      </p:cBhvr>
+                                    </p:animEffect>
+                                  </p:childTnLst>
+                                </p:cTn>
+                              </p:par>
+                              <p:par>
+                                <p:cTn id="14" presetID="22" presetClass="entr" presetSubtype="4" fill="hold" grpId="0" nodeType="withEffect">
+                                  <p:stCondLst>
+                                    <p:cond delay="0"/>
+                                  </p:stCondLst>
+                                  <p:childTnLst>
+                                    <p:set>
+                                      <p:cBhvr>
+                                        <p:cTn id="15" dur="1" fill="hold">
+                                          <p:stCondLst>
+                                            <p:cond delay="0"/>
+                                          </p:stCondLst>
+                                        </p:cTn>
+                                        <p:tgtEl>
+                                          <p:spTgt spid="3">
+                                            <p:txEl>
+                                              <p:pRg st="4" end="4"/>
+                                            </p:txEl>
+                                          </p:spTgt>
+                                        </p:tgtEl>
+                                        <p:attrNameLst>
+                                          <p:attrName>style.visibility</p:attrName>
+                                        </p:attrNameLst>
+                                      </p:cBhvr>
+                                      <p:to>
+                                        <p:strVal val="visible"/>
+                                      </p:to>
+                                    </p:set>
+                                    <p:animEffect transition="in" filter="wipe(down)">
+                                      <p:cBhvr>
+                                        <p:cTn id="16" dur="500"/>
+                                        <p:tgtEl>
+                                          <p:spTgt spid="3">
+                                            <p:txEl>
+                                              <p:pRg st="4" end="4"/>
+                                            </p:txEl>
+                                          </p:spTgt>
+                                        </p:tgtEl>
+                                      </p:cBhvr>
+                                    </p:animEffect>
+                                  </p:childTnLst>
+                                </p:cTn>
+                              </p:par>
+                              <p:par>
+                                <p:cTn id="17" presetID="22" presetClass="entr" presetSubtype="4" fill="hold" grpId="0" nodeType="withEffect">
+                                  <p:stCondLst>
+                                    <p:cond delay="0"/>
+                                  </p:stCondLst>
+                                  <p:childTnLst>
+                                    <p:set>
+                                      <p:cBhvr>
+                                        <p:cTn id="18" dur="1" fill="hold">
+                                          <p:stCondLst>
+                                            <p:cond delay="0"/>
+                                          </p:stCondLst>
+                                        </p:cTn>
+                                        <p:tgtEl>
+                                          <p:spTgt spid="3">
+                                            <p:txEl>
+                                              <p:pRg st="5" end="5"/>
+                                            </p:txEl>
+                                          </p:spTgt>
+                                        </p:tgtEl>
+                                        <p:attrNameLst>
+                                          <p:attrName>style.visibility</p:attrName>
+                                        </p:attrNameLst>
+                                      </p:cBhvr>
+                                      <p:to>
+                                        <p:strVal val="visible"/>
+                                      </p:to>
+                                    </p:set>
+                                    <p:animEffect transition="in" filter="wipe(down)">
+                                      <p:cBhvr>
+                                        <p:cTn id="19" dur="500"/>
+                                        <p:tgtEl>
+                                          <p:spTgt spid="3">
+                                            <p:txEl>
+                                              <p:pRg st="5" end="5"/>
+                                            </p:txEl>
+                                          </p:spTgt>
+                                        </p:tgtEl>
+                                      </p:cBhvr>
+                                    </p:animEffect>
+                                  </p:childTnLst>
+                                </p:cTn>
+                              </p:par>
+                            </p:childTnLst>
+                          </p:cTn>
+                        </p:par>
+                      </p:childTnLst>
+                    </p:cTn>
+                  </p:par>
+                </p:childTnLst>
+              </p:cTn>
+              <p:prevCondLst>
+                <p:cond evt="onPrev" delay="0">
+                  <p:tgtEl>
+                    <p:sldTgt/>
+                  </p:tgtEl>
+                </p:cond>
+              </p:prevCondLst>
+              <p:nextCondLst>
+                <p:cond evt="onNext" delay="0">
+                  <p:tgtEl>
+                    <p:sldTgt/>
+                  </p:tgtEl>
+                </p:cond>
+              </p:nextCondLst>
+            </p:seq>
+          </p:childTnLst>
+        </p:cTn>
+      </p:par>
+    </p:tnLst>
+    <p:bldLst>
+      <p:bldP spid="3" grpId="0" build="p"/>
+    </p:bldLst>
+  </p:timing>
 </p:sld>
 </file>
 
@@ -7621,40 +8576,6 @@
       </p:grpSpPr>
       <p:sp>
         <p:nvSpPr>
-          <p:cNvPr id="2" name="Title 1">
-            <a:extLst>
-              <a:ext uri="{FF2B5EF4-FFF2-40B4-BE49-F238E27FC236}">
-                <a16:creationId xmlns:a16="http://schemas.microsoft.com/office/drawing/2014/main" id="{972414B4-E788-8B53-78E1-3FAC00C352E2}"/>
-              </a:ext>
-            </a:extLst>
-          </p:cNvPr>
-          <p:cNvSpPr>
-            <a:spLocks noGrp="1"/>
-          </p:cNvSpPr>
-          <p:nvPr>
-            <p:ph type="title"/>
-          </p:nvPr>
-        </p:nvSpPr>
-        <p:spPr>
-          <a:xfrm>
-            <a:off x="685800" y="563562"/>
-            <a:ext cx="10820400" cy="1293028"/>
-          </a:xfrm>
-        </p:spPr>
-        <p:txBody>
-          <a:bodyPr/>
-          <a:lstStyle/>
-          <a:p>
-            <a:pPr algn="ctr"/>
-            <a:r>
-              <a:rPr lang="en-US" dirty="0"/>
-              <a:t>SRS</a:t>
-            </a:r>
-          </a:p>
-        </p:txBody>
-      </p:sp>
-      <p:sp>
-        <p:nvSpPr>
           <p:cNvPr id="3" name="Content Placeholder 2">
             <a:extLst>
               <a:ext uri="{FF2B5EF4-FFF2-40B4-BE49-F238E27FC236}">
@@ -7669,21 +8590,28 @@
             <p:ph idx="1"/>
           </p:nvPr>
         </p:nvSpPr>
-        <p:spPr/>
-        <p:txBody>
-          <a:bodyPr/>
+        <p:spPr>
+          <a:xfrm>
+            <a:off x="1115008" y="1718712"/>
+            <a:ext cx="10820400" cy="4024125"/>
+          </a:xfrm>
+        </p:spPr>
+        <p:txBody>
+          <a:bodyPr>
+            <a:normAutofit/>
+          </a:bodyPr>
           <a:lstStyle/>
           <a:p>
             <a:r>
-              <a:rPr lang="en-US" u="sng" dirty="0"/>
+              <a:rPr lang="en-US" sz="2400" u="sng" dirty="0"/>
               <a:t>Front End (Web </a:t>
             </a:r>
             <a:r>
-              <a:rPr lang="en-US" u="sng" dirty="0" err="1"/>
+              <a:rPr lang="en-US" sz="2400" u="sng" dirty="0" err="1"/>
               <a:t>Dapp</a:t>
             </a:r>
             <a:r>
-              <a:rPr lang="en-US" u="sng" dirty="0"/>
+              <a:rPr lang="en-US" sz="2400" u="sng" dirty="0"/>
               <a:t>)</a:t>
             </a:r>
           </a:p>
@@ -7692,19 +8620,19 @@
               <a:buNone/>
             </a:pPr>
             <a:r>
-              <a:rPr lang="en-US" dirty="0"/>
-              <a:t>   React JS</a:t>
+              <a:rPr lang="en-US" sz="2400" dirty="0"/>
+              <a:t>   React </a:t>
             </a:r>
           </a:p>
           <a:p>
             <a:pPr marL="0" indent="0">
               <a:buNone/>
             </a:pPr>
-            <a:endParaRPr lang="en-US" dirty="0"/>
-          </a:p>
-          <a:p>
-            <a:r>
-              <a:rPr lang="en-US" u="sng" dirty="0"/>
+            <a:endParaRPr lang="en-US" sz="2400" dirty="0"/>
+          </a:p>
+          <a:p>
+            <a:r>
+              <a:rPr lang="en-US" sz="2400" u="sng" dirty="0"/>
               <a:t>Back End</a:t>
             </a:r>
           </a:p>
@@ -7713,19 +8641,19 @@
               <a:buNone/>
             </a:pPr>
             <a:r>
-              <a:rPr lang="en-US" dirty="0"/>
-              <a:t>   NodeJS</a:t>
+              <a:rPr lang="en-US" sz="2400" dirty="0"/>
+              <a:t>   Node.JS</a:t>
             </a:r>
           </a:p>
           <a:p>
             <a:pPr marL="0" indent="0">
               <a:buNone/>
             </a:pPr>
-            <a:endParaRPr lang="en-US" dirty="0"/>
-          </a:p>
-          <a:p>
-            <a:r>
-              <a:rPr lang="en-US" u="sng" dirty="0"/>
+            <a:endParaRPr lang="en-US" sz="2400" dirty="0"/>
+          </a:p>
+          <a:p>
+            <a:r>
+              <a:rPr lang="en-US" sz="2400" u="sng" dirty="0"/>
               <a:t>Hosting Services</a:t>
             </a:r>
           </a:p>
@@ -7734,14 +8662,14 @@
               <a:buNone/>
             </a:pPr>
             <a:r>
-              <a:rPr lang="en-US" dirty="0"/>
+              <a:rPr lang="en-US" sz="2400" dirty="0"/>
               <a:t>   </a:t>
             </a:r>
             <a:r>
-              <a:rPr lang="en-US" dirty="0" err="1"/>
+              <a:rPr lang="en-US" sz="2400" dirty="0" err="1"/>
               <a:t>Metamask</a:t>
             </a:r>
-            <a:endParaRPr lang="en-US" dirty="0"/>
+            <a:endParaRPr lang="en-US" sz="2400" dirty="0"/>
           </a:p>
         </p:txBody>
       </p:sp>
@@ -7789,6 +8717,373 @@
   <p:clrMapOvr>
     <a:masterClrMapping/>
   </p:clrMapOvr>
+  <mc:AlternateContent xmlns:mc="http://schemas.openxmlformats.org/markup-compatibility/2006">
+    <mc:Choice xmlns:p14="http://schemas.microsoft.com/office/powerpoint/2010/main" Requires="p14">
+      <p:transition spd="med">
+        <p14:reveal/>
+      </p:transition>
+    </mc:Choice>
+    <mc:Fallback>
+      <p:transition spd="med">
+        <p:fade/>
+      </p:transition>
+    </mc:Fallback>
+  </mc:AlternateContent>
+  <p:timing>
+    <p:tnLst>
+      <p:par>
+        <p:cTn id="1" dur="indefinite" restart="never" nodeType="tmRoot">
+          <p:childTnLst>
+            <p:seq concurrent="1" nextAc="seek">
+              <p:cTn id="2" dur="indefinite" nodeType="mainSeq">
+                <p:childTnLst>
+                  <p:par>
+                    <p:cTn id="3" fill="hold">
+                      <p:stCondLst>
+                        <p:cond delay="indefinite"/>
+                        <p:cond evt="onBegin" delay="0">
+                          <p:tn val="2"/>
+                        </p:cond>
+                      </p:stCondLst>
+                      <p:childTnLst>
+                        <p:par>
+                          <p:cTn id="4" fill="hold">
+                            <p:stCondLst>
+                              <p:cond delay="0"/>
+                            </p:stCondLst>
+                            <p:childTnLst>
+                              <p:par>
+                                <p:cTn id="5" presetID="22" presetClass="entr" presetSubtype="4" fill="hold" grpId="0" nodeType="withEffect">
+                                  <p:stCondLst>
+                                    <p:cond delay="0"/>
+                                  </p:stCondLst>
+                                  <p:childTnLst>
+                                    <p:set>
+                                      <p:cBhvr>
+                                        <p:cTn id="6" dur="1" fill="hold">
+                                          <p:stCondLst>
+                                            <p:cond delay="0"/>
+                                          </p:stCondLst>
+                                        </p:cTn>
+                                        <p:tgtEl>
+                                          <p:spTgt spid="3">
+                                            <p:txEl>
+                                              <p:pRg st="0" end="0"/>
+                                            </p:txEl>
+                                          </p:spTgt>
+                                        </p:tgtEl>
+                                        <p:attrNameLst>
+                                          <p:attrName>style.visibility</p:attrName>
+                                        </p:attrNameLst>
+                                      </p:cBhvr>
+                                      <p:to>
+                                        <p:strVal val="visible"/>
+                                      </p:to>
+                                    </p:set>
+                                    <p:animEffect transition="in" filter="wipe(down)">
+                                      <p:cBhvr>
+                                        <p:cTn id="7" dur="500"/>
+                                        <p:tgtEl>
+                                          <p:spTgt spid="3">
+                                            <p:txEl>
+                                              <p:pRg st="0" end="0"/>
+                                            </p:txEl>
+                                          </p:spTgt>
+                                        </p:tgtEl>
+                                      </p:cBhvr>
+                                    </p:animEffect>
+                                  </p:childTnLst>
+                                </p:cTn>
+                              </p:par>
+                              <p:par>
+                                <p:cTn id="8" presetID="22" presetClass="entr" presetSubtype="4" fill="hold" grpId="0" nodeType="withEffect">
+                                  <p:stCondLst>
+                                    <p:cond delay="0"/>
+                                  </p:stCondLst>
+                                  <p:childTnLst>
+                                    <p:set>
+                                      <p:cBhvr>
+                                        <p:cTn id="9" dur="1" fill="hold">
+                                          <p:stCondLst>
+                                            <p:cond delay="0"/>
+                                          </p:stCondLst>
+                                        </p:cTn>
+                                        <p:tgtEl>
+                                          <p:spTgt spid="3">
+                                            <p:txEl>
+                                              <p:pRg st="1" end="1"/>
+                                            </p:txEl>
+                                          </p:spTgt>
+                                        </p:tgtEl>
+                                        <p:attrNameLst>
+                                          <p:attrName>style.visibility</p:attrName>
+                                        </p:attrNameLst>
+                                      </p:cBhvr>
+                                      <p:to>
+                                        <p:strVal val="visible"/>
+                                      </p:to>
+                                    </p:set>
+                                    <p:animEffect transition="in" filter="wipe(down)">
+                                      <p:cBhvr>
+                                        <p:cTn id="10" dur="500"/>
+                                        <p:tgtEl>
+                                          <p:spTgt spid="3">
+                                            <p:txEl>
+                                              <p:pRg st="1" end="1"/>
+                                            </p:txEl>
+                                          </p:spTgt>
+                                        </p:tgtEl>
+                                      </p:cBhvr>
+                                    </p:animEffect>
+                                  </p:childTnLst>
+                                </p:cTn>
+                              </p:par>
+                              <p:par>
+                                <p:cTn id="11" presetID="22" presetClass="entr" presetSubtype="4" fill="hold" grpId="0" nodeType="withEffect">
+                                  <p:stCondLst>
+                                    <p:cond delay="0"/>
+                                  </p:stCondLst>
+                                  <p:childTnLst>
+                                    <p:set>
+                                      <p:cBhvr>
+                                        <p:cTn id="12" dur="1" fill="hold">
+                                          <p:stCondLst>
+                                            <p:cond delay="0"/>
+                                          </p:stCondLst>
+                                        </p:cTn>
+                                        <p:tgtEl>
+                                          <p:spTgt spid="3">
+                                            <p:txEl>
+                                              <p:pRg st="3" end="3"/>
+                                            </p:txEl>
+                                          </p:spTgt>
+                                        </p:tgtEl>
+                                        <p:attrNameLst>
+                                          <p:attrName>style.visibility</p:attrName>
+                                        </p:attrNameLst>
+                                      </p:cBhvr>
+                                      <p:to>
+                                        <p:strVal val="visible"/>
+                                      </p:to>
+                                    </p:set>
+                                    <p:animEffect transition="in" filter="wipe(down)">
+                                      <p:cBhvr>
+                                        <p:cTn id="13" dur="500"/>
+                                        <p:tgtEl>
+                                          <p:spTgt spid="3">
+                                            <p:txEl>
+                                              <p:pRg st="3" end="3"/>
+                                            </p:txEl>
+                                          </p:spTgt>
+                                        </p:tgtEl>
+                                      </p:cBhvr>
+                                    </p:animEffect>
+                                  </p:childTnLst>
+                                </p:cTn>
+                              </p:par>
+                              <p:par>
+                                <p:cTn id="14" presetID="22" presetClass="entr" presetSubtype="4" fill="hold" grpId="0" nodeType="withEffect">
+                                  <p:stCondLst>
+                                    <p:cond delay="0"/>
+                                  </p:stCondLst>
+                                  <p:childTnLst>
+                                    <p:set>
+                                      <p:cBhvr>
+                                        <p:cTn id="15" dur="1" fill="hold">
+                                          <p:stCondLst>
+                                            <p:cond delay="0"/>
+                                          </p:stCondLst>
+                                        </p:cTn>
+                                        <p:tgtEl>
+                                          <p:spTgt spid="3">
+                                            <p:txEl>
+                                              <p:pRg st="4" end="4"/>
+                                            </p:txEl>
+                                          </p:spTgt>
+                                        </p:tgtEl>
+                                        <p:attrNameLst>
+                                          <p:attrName>style.visibility</p:attrName>
+                                        </p:attrNameLst>
+                                      </p:cBhvr>
+                                      <p:to>
+                                        <p:strVal val="visible"/>
+                                      </p:to>
+                                    </p:set>
+                                    <p:animEffect transition="in" filter="wipe(down)">
+                                      <p:cBhvr>
+                                        <p:cTn id="16" dur="500"/>
+                                        <p:tgtEl>
+                                          <p:spTgt spid="3">
+                                            <p:txEl>
+                                              <p:pRg st="4" end="4"/>
+                                            </p:txEl>
+                                          </p:spTgt>
+                                        </p:tgtEl>
+                                      </p:cBhvr>
+                                    </p:animEffect>
+                                  </p:childTnLst>
+                                </p:cTn>
+                              </p:par>
+                              <p:par>
+                                <p:cTn id="17" presetID="22" presetClass="entr" presetSubtype="4" fill="hold" grpId="0" nodeType="withEffect">
+                                  <p:stCondLst>
+                                    <p:cond delay="0"/>
+                                  </p:stCondLst>
+                                  <p:childTnLst>
+                                    <p:set>
+                                      <p:cBhvr>
+                                        <p:cTn id="18" dur="1" fill="hold">
+                                          <p:stCondLst>
+                                            <p:cond delay="0"/>
+                                          </p:stCondLst>
+                                        </p:cTn>
+                                        <p:tgtEl>
+                                          <p:spTgt spid="3">
+                                            <p:txEl>
+                                              <p:pRg st="6" end="6"/>
+                                            </p:txEl>
+                                          </p:spTgt>
+                                        </p:tgtEl>
+                                        <p:attrNameLst>
+                                          <p:attrName>style.visibility</p:attrName>
+                                        </p:attrNameLst>
+                                      </p:cBhvr>
+                                      <p:to>
+                                        <p:strVal val="visible"/>
+                                      </p:to>
+                                    </p:set>
+                                    <p:animEffect transition="in" filter="wipe(down)">
+                                      <p:cBhvr>
+                                        <p:cTn id="19" dur="500"/>
+                                        <p:tgtEl>
+                                          <p:spTgt spid="3">
+                                            <p:txEl>
+                                              <p:pRg st="6" end="6"/>
+                                            </p:txEl>
+                                          </p:spTgt>
+                                        </p:tgtEl>
+                                      </p:cBhvr>
+                                    </p:animEffect>
+                                  </p:childTnLst>
+                                </p:cTn>
+                              </p:par>
+                              <p:par>
+                                <p:cTn id="20" presetID="22" presetClass="entr" presetSubtype="4" fill="hold" grpId="0" nodeType="withEffect">
+                                  <p:stCondLst>
+                                    <p:cond delay="0"/>
+                                  </p:stCondLst>
+                                  <p:childTnLst>
+                                    <p:set>
+                                      <p:cBhvr>
+                                        <p:cTn id="21" dur="1" fill="hold">
+                                          <p:stCondLst>
+                                            <p:cond delay="0"/>
+                                          </p:stCondLst>
+                                        </p:cTn>
+                                        <p:tgtEl>
+                                          <p:spTgt spid="3">
+                                            <p:txEl>
+                                              <p:pRg st="7" end="7"/>
+                                            </p:txEl>
+                                          </p:spTgt>
+                                        </p:tgtEl>
+                                        <p:attrNameLst>
+                                          <p:attrName>style.visibility</p:attrName>
+                                        </p:attrNameLst>
+                                      </p:cBhvr>
+                                      <p:to>
+                                        <p:strVal val="visible"/>
+                                      </p:to>
+                                    </p:set>
+                                    <p:animEffect transition="in" filter="wipe(down)">
+                                      <p:cBhvr>
+                                        <p:cTn id="22" dur="500"/>
+                                        <p:tgtEl>
+                                          <p:spTgt spid="3">
+                                            <p:txEl>
+                                              <p:pRg st="7" end="7"/>
+                                            </p:txEl>
+                                          </p:spTgt>
+                                        </p:tgtEl>
+                                      </p:cBhvr>
+                                    </p:animEffect>
+                                  </p:childTnLst>
+                                </p:cTn>
+                              </p:par>
+                              <p:par>
+                                <p:cTn id="23" presetID="22" presetClass="entr" presetSubtype="4" fill="hold" nodeType="withEffect">
+                                  <p:stCondLst>
+                                    <p:cond delay="0"/>
+                                  </p:stCondLst>
+                                  <p:childTnLst>
+                                    <p:set>
+                                      <p:cBhvr>
+                                        <p:cTn id="24" dur="1" fill="hold">
+                                          <p:stCondLst>
+                                            <p:cond delay="0"/>
+                                          </p:stCondLst>
+                                        </p:cTn>
+                                        <p:tgtEl>
+                                          <p:spTgt spid="3">
+                                            <p:txEl>
+                                              <p:pRg st="0" end="0"/>
+                                            </p:txEl>
+                                          </p:spTgt>
+                                        </p:tgtEl>
+                                        <p:attrNameLst>
+                                          <p:attrName>style.visibility</p:attrName>
+                                        </p:attrNameLst>
+                                      </p:cBhvr>
+                                      <p:to>
+                                        <p:strVal val="visible"/>
+                                      </p:to>
+                                    </p:set>
+                                    <p:animEffect transition="in" filter="wipe(down)">
+                                      <p:cBhvr>
+                                        <p:cTn id="25" dur="500"/>
+                                        <p:tgtEl>
+                                          <p:spTgt spid="3">
+                                            <p:txEl>
+                                              <p:pRg st="0" end="0"/>
+                                            </p:txEl>
+                                          </p:spTgt>
+                                        </p:tgtEl>
+                                      </p:cBhvr>
+                                    </p:animEffect>
+                                  </p:childTnLst>
+                                </p:cTn>
+                              </p:par>
+                            </p:childTnLst>
+                          </p:cTn>
+                        </p:par>
+                      </p:childTnLst>
+                    </p:cTn>
+                  </p:par>
+                </p:childTnLst>
+              </p:cTn>
+              <p:prevCondLst>
+                <p:cond evt="onPrev" delay="0">
+                  <p:tgtEl>
+                    <p:sldTgt/>
+                  </p:tgtEl>
+                </p:cond>
+              </p:prevCondLst>
+              <p:nextCondLst>
+                <p:cond evt="onNext" delay="0">
+                  <p:tgtEl>
+                    <p:sldTgt/>
+                  </p:tgtEl>
+                </p:cond>
+              </p:nextCondLst>
+            </p:seq>
+          </p:childTnLst>
+        </p:cTn>
+      </p:par>
+    </p:tnLst>
+    <p:bldLst>
+      <p:bldP spid="3" grpId="0" build="p"/>
+    </p:bldLst>
+  </p:timing>
 </p:sld>
 </file>
 
@@ -7814,7 +9109,7 @@
           <p:cNvPr id="2" name="Title 1">
             <a:extLst>
               <a:ext uri="{FF2B5EF4-FFF2-40B4-BE49-F238E27FC236}">
-                <a16:creationId xmlns:a16="http://schemas.microsoft.com/office/drawing/2014/main" id="{2D5D9E3F-E242-C01E-A546-9DAD59F35D1B}"/>
+                <a16:creationId xmlns:a16="http://schemas.microsoft.com/office/drawing/2014/main" id="{9829A559-0753-5044-C58A-4DE3826799C3}"/>
               </a:ext>
             </a:extLst>
           </p:cNvPr>
@@ -7827,28 +9122,30 @@
         </p:nvSpPr>
         <p:spPr>
           <a:xfrm>
-            <a:off x="685800" y="639315"/>
-            <a:ext cx="10820400" cy="1293028"/>
-          </a:xfrm>
-        </p:spPr>
-        <p:txBody>
-          <a:bodyPr/>
+            <a:off x="1673288" y="2910413"/>
+            <a:ext cx="8814319" cy="1293028"/>
+          </a:xfrm>
+        </p:spPr>
+        <p:txBody>
+          <a:bodyPr>
+            <a:normAutofit/>
+          </a:bodyPr>
           <a:lstStyle/>
           <a:p>
             <a:pPr algn="ctr"/>
             <a:r>
-              <a:rPr lang="en-US" dirty="0"/>
-              <a:t>implementation</a:t>
-            </a:r>
-          </a:p>
-        </p:txBody>
-      </p:sp>
-      <p:sp>
-        <p:nvSpPr>
-          <p:cNvPr id="3" name="Content Placeholder 2">
+              <a:rPr lang="en-US" sz="4400" dirty="0"/>
+              <a:t>THANK YOU</a:t>
+            </a:r>
+          </a:p>
+        </p:txBody>
+      </p:sp>
+      <p:sp>
+        <p:nvSpPr>
+          <p:cNvPr id="3" name="Slide Number Placeholder 2">
             <a:extLst>
               <a:ext uri="{FF2B5EF4-FFF2-40B4-BE49-F238E27FC236}">
-                <a16:creationId xmlns:a16="http://schemas.microsoft.com/office/drawing/2014/main" id="{764B101E-37FA-C61E-19A7-2F5E5F555B1B}"/>
+                <a16:creationId xmlns:a16="http://schemas.microsoft.com/office/drawing/2014/main" id="{EA13FA2D-C8CE-DEDC-04A7-14CDDAF56842}"/>
               </a:ext>
             </a:extLst>
           </p:cNvPr>
@@ -7856,126 +9153,13 @@
             <a:spLocks noGrp="1"/>
           </p:cNvSpPr>
           <p:nvPr>
-            <p:ph idx="1"/>
-          </p:nvPr>
-        </p:nvSpPr>
-        <p:spPr>
-          <a:xfrm>
-            <a:off x="685800" y="1932343"/>
-            <a:ext cx="10820400" cy="4286342"/>
-          </a:xfrm>
-        </p:spPr>
-        <p:txBody>
-          <a:bodyPr/>
-          <a:lstStyle/>
-          <a:p>
-            <a:r>
-              <a:rPr lang="en-US" dirty="0"/>
-              <a:t>For the first-level implementation, three different types of stakeholders are considered:</a:t>
-            </a:r>
-          </a:p>
-          <a:p>
-            <a:pPr marL="457200" indent="-457200">
-              <a:buFont typeface="+mj-lt"/>
-              <a:buAutoNum type="arabicPeriod"/>
-            </a:pPr>
-            <a:r>
-              <a:rPr lang="en-US" dirty="0"/>
-              <a:t>  School</a:t>
-            </a:r>
-          </a:p>
-          <a:p>
-            <a:pPr marL="457200" indent="-457200">
-              <a:buFont typeface="+mj-lt"/>
-              <a:buAutoNum type="arabicPeriod"/>
-            </a:pPr>
-            <a:r>
-              <a:rPr lang="en-US" dirty="0"/>
-              <a:t>  Student</a:t>
-            </a:r>
-          </a:p>
-          <a:p>
-            <a:pPr marL="457200" indent="-457200">
-              <a:buFont typeface="+mj-lt"/>
-              <a:buAutoNum type="arabicPeriod"/>
-            </a:pPr>
-            <a:r>
-              <a:rPr lang="en-US" dirty="0"/>
-              <a:t>  Company</a:t>
-            </a:r>
-          </a:p>
-          <a:p>
-            <a:pPr marL="0" indent="0">
-              <a:buNone/>
-            </a:pPr>
-            <a:endParaRPr lang="en-US" dirty="0"/>
-          </a:p>
-          <a:p>
-            <a:pPr marL="0" indent="0">
-              <a:buNone/>
-            </a:pPr>
-            <a:r>
-              <a:rPr lang="en-US" dirty="0"/>
-              <a:t>Student dashboard offers three options:</a:t>
-            </a:r>
-          </a:p>
-          <a:p>
-            <a:pPr marL="0" indent="0">
-              <a:buNone/>
-            </a:pPr>
-            <a:r>
-              <a:rPr lang="en-US" dirty="0"/>
-              <a:t> (</a:t>
-            </a:r>
-            <a:r>
-              <a:rPr lang="en-US" dirty="0" err="1"/>
-              <a:t>i</a:t>
-            </a:r>
-            <a:r>
-              <a:rPr lang="en-US" dirty="0"/>
-              <a:t>) to view the uploaded credentials</a:t>
-            </a:r>
-          </a:p>
-          <a:p>
-            <a:pPr marL="0" indent="0">
-              <a:buNone/>
-            </a:pPr>
-            <a:r>
-              <a:rPr lang="en-US" dirty="0"/>
-              <a:t>(ii) to view the access requests sent by the companies </a:t>
-            </a:r>
-          </a:p>
-          <a:p>
-            <a:pPr marL="0" indent="0">
-              <a:buNone/>
-            </a:pPr>
-            <a:r>
-              <a:rPr lang="en-US" dirty="0"/>
-              <a:t>(iii) to grant access after viewing those access requests. </a:t>
-            </a:r>
-          </a:p>
-        </p:txBody>
-      </p:sp>
-      <p:sp>
-        <p:nvSpPr>
-          <p:cNvPr id="4" name="Slide Number Placeholder 3">
-            <a:extLst>
-              <a:ext uri="{FF2B5EF4-FFF2-40B4-BE49-F238E27FC236}">
-                <a16:creationId xmlns:a16="http://schemas.microsoft.com/office/drawing/2014/main" id="{99DBB640-1D95-EE9A-E19D-E8482BD2BF0D}"/>
-              </a:ext>
-            </a:extLst>
-          </p:cNvPr>
-          <p:cNvSpPr>
-            <a:spLocks noGrp="1"/>
-          </p:cNvSpPr>
-          <p:nvPr>
             <p:ph type="sldNum" sz="quarter" idx="12"/>
           </p:nvPr>
         </p:nvSpPr>
         <p:spPr>
           <a:xfrm>
-            <a:off x="9117564" y="6218685"/>
-            <a:ext cx="2743200" cy="400892"/>
+            <a:off x="9116007" y="6193972"/>
+            <a:ext cx="2743200" cy="365125"/>
           </a:xfrm>
         </p:spPr>
         <p:txBody>
@@ -7993,179 +9177,114 @@
     </p:spTree>
     <p:extLst>
       <p:ext uri="{BB962C8B-B14F-4D97-AF65-F5344CB8AC3E}">
-        <p14:creationId xmlns:p14="http://schemas.microsoft.com/office/powerpoint/2010/main" val="899447867"/>
+        <p14:creationId xmlns:p14="http://schemas.microsoft.com/office/powerpoint/2010/main" val="785845646"/>
       </p:ext>
     </p:extLst>
   </p:cSld>
   <p:clrMapOvr>
     <a:masterClrMapping/>
   </p:clrMapOvr>
-</p:sld>
-</file>
-
-<file path=ppt/slides/slide9.xml><?xml version="1.0" encoding="utf-8"?>
-<p:sld xmlns:a="http://schemas.openxmlformats.org/drawingml/2006/main" xmlns:r="http://schemas.openxmlformats.org/officeDocument/2006/relationships" xmlns:p="http://schemas.openxmlformats.org/presentationml/2006/main">
-  <p:cSld>
-    <p:spTree>
-      <p:nvGrpSpPr>
-        <p:cNvPr id="1" name=""/>
-        <p:cNvGrpSpPr/>
-        <p:nvPr/>
-      </p:nvGrpSpPr>
-      <p:grpSpPr>
-        <a:xfrm>
-          <a:off x="0" y="0"/>
-          <a:ext cx="0" cy="0"/>
-          <a:chOff x="0" y="0"/>
-          <a:chExt cx="0" cy="0"/>
-        </a:xfrm>
-      </p:grpSpPr>
-      <p:sp>
-        <p:nvSpPr>
-          <p:cNvPr id="2" name="Title 1">
-            <a:extLst>
-              <a:ext uri="{FF2B5EF4-FFF2-40B4-BE49-F238E27FC236}">
-                <a16:creationId xmlns:a16="http://schemas.microsoft.com/office/drawing/2014/main" id="{0641ECB9-A6FE-A020-97D3-4154675C348F}"/>
-              </a:ext>
-            </a:extLst>
-          </p:cNvPr>
-          <p:cNvSpPr>
-            <a:spLocks noGrp="1"/>
-          </p:cNvSpPr>
-          <p:nvPr>
-            <p:ph type="title"/>
-          </p:nvPr>
-        </p:nvSpPr>
-        <p:spPr>
-          <a:xfrm>
-            <a:off x="539262" y="802997"/>
-            <a:ext cx="10791092" cy="1293028"/>
-          </a:xfrm>
-        </p:spPr>
-        <p:txBody>
-          <a:bodyPr/>
-          <a:lstStyle/>
-          <a:p>
-            <a:pPr algn="ctr"/>
-            <a:r>
-              <a:rPr lang="en-US" dirty="0"/>
-              <a:t>IMPLEMENTATION</a:t>
-            </a:r>
-          </a:p>
-        </p:txBody>
-      </p:sp>
-      <p:sp>
-        <p:nvSpPr>
-          <p:cNvPr id="3" name="Content Placeholder 2">
-            <a:extLst>
-              <a:ext uri="{FF2B5EF4-FFF2-40B4-BE49-F238E27FC236}">
-                <a16:creationId xmlns:a16="http://schemas.microsoft.com/office/drawing/2014/main" id="{CB089EAC-B7C6-278F-6E0C-A89BF3FF2071}"/>
-              </a:ext>
-            </a:extLst>
-          </p:cNvPr>
-          <p:cNvSpPr>
-            <a:spLocks noGrp="1"/>
-          </p:cNvSpPr>
-          <p:nvPr>
-            <p:ph idx="1"/>
-          </p:nvPr>
-        </p:nvSpPr>
-        <p:spPr>
-          <a:xfrm>
-            <a:off x="509954" y="2452875"/>
-            <a:ext cx="10820400" cy="4024125"/>
-          </a:xfrm>
-        </p:spPr>
-        <p:txBody>
-          <a:bodyPr/>
-          <a:lstStyle/>
-          <a:p>
-            <a:r>
-              <a:rPr lang="en-US" dirty="0"/>
-              <a:t>Company dashboard has three options:</a:t>
-            </a:r>
-          </a:p>
-          <a:p>
-            <a:pPr marL="0" indent="0">
-              <a:buNone/>
-            </a:pPr>
-            <a:r>
-              <a:rPr lang="en-US" dirty="0"/>
-              <a:t> (</a:t>
-            </a:r>
-            <a:r>
-              <a:rPr lang="en-US" dirty="0" err="1"/>
-              <a:t>i</a:t>
-            </a:r>
-            <a:r>
-              <a:rPr lang="en-US" dirty="0"/>
-              <a:t>) to view the list of schools and the students enrolled under a selected school</a:t>
-            </a:r>
-          </a:p>
-          <a:p>
-            <a:pPr marL="0" indent="0">
-              <a:buNone/>
-            </a:pPr>
-            <a:r>
-              <a:rPr lang="en-US" dirty="0"/>
-              <a:t> (ii) to send an access request</a:t>
-            </a:r>
-          </a:p>
-          <a:p>
-            <a:pPr marL="0" indent="0">
-              <a:buNone/>
-            </a:pPr>
-            <a:r>
-              <a:rPr lang="en-US" dirty="0"/>
-              <a:t> (iii) to view the credentials once the students grants access.</a:t>
-            </a:r>
-          </a:p>
-        </p:txBody>
-      </p:sp>
-      <p:sp>
-        <p:nvSpPr>
-          <p:cNvPr id="4" name="Slide Number Placeholder 3">
-            <a:extLst>
-              <a:ext uri="{FF2B5EF4-FFF2-40B4-BE49-F238E27FC236}">
-                <a16:creationId xmlns:a16="http://schemas.microsoft.com/office/drawing/2014/main" id="{97519A61-C78F-C939-A930-C3B7E488F4F3}"/>
-              </a:ext>
-            </a:extLst>
-          </p:cNvPr>
-          <p:cNvSpPr>
-            <a:spLocks noGrp="1"/>
-          </p:cNvSpPr>
-          <p:nvPr>
-            <p:ph type="sldNum" sz="quarter" idx="12"/>
-          </p:nvPr>
-        </p:nvSpPr>
-        <p:spPr>
-          <a:xfrm>
-            <a:off x="9061579" y="6212633"/>
-            <a:ext cx="2743200" cy="365125"/>
-          </a:xfrm>
-        </p:spPr>
-        <p:txBody>
-          <a:bodyPr/>
-          <a:lstStyle/>
-          <a:p>
-            <a:fld id="{7153B590-63E1-4C27-B51A-4C6C22735D02}" type="slidenum">
-              <a:rPr lang="en-US" sz="1600" smtClean="0"/>
-              <a:t>9</a:t>
-            </a:fld>
-            <a:endParaRPr lang="en-US" sz="1600" dirty="0"/>
-          </a:p>
-        </p:txBody>
-      </p:sp>
-    </p:spTree>
-    <p:extLst>
-      <p:ext uri="{BB962C8B-B14F-4D97-AF65-F5344CB8AC3E}">
-        <p14:creationId xmlns:p14="http://schemas.microsoft.com/office/powerpoint/2010/main" val="3828993649"/>
-      </p:ext>
-    </p:extLst>
-  </p:cSld>
-  <p:clrMapOvr>
-    <a:masterClrMapping/>
-  </p:clrMapOvr>
+  <mc:AlternateContent xmlns:mc="http://schemas.openxmlformats.org/markup-compatibility/2006">
+    <mc:Choice xmlns:p14="http://schemas.microsoft.com/office/powerpoint/2010/main" Requires="p14">
+      <p:transition spd="med">
+        <p14:reveal/>
+      </p:transition>
+    </mc:Choice>
+    <mc:Fallback>
+      <p:transition spd="med">
+        <p:fade/>
+      </p:transition>
+    </mc:Fallback>
+  </mc:AlternateContent>
+  <p:timing>
+    <p:tnLst>
+      <p:par>
+        <p:cTn id="1" dur="indefinite" restart="never" nodeType="tmRoot">
+          <p:childTnLst>
+            <p:seq concurrent="1" nextAc="seek">
+              <p:cTn id="2" dur="indefinite" nodeType="mainSeq">
+                <p:childTnLst>
+                  <p:par>
+                    <p:cTn id="3" fill="hold">
+                      <p:stCondLst>
+                        <p:cond delay="indefinite"/>
+                        <p:cond evt="onBegin" delay="0">
+                          <p:tn val="2"/>
+                        </p:cond>
+                      </p:stCondLst>
+                      <p:childTnLst>
+                        <p:par>
+                          <p:cTn id="4" fill="hold">
+                            <p:stCondLst>
+                              <p:cond delay="0"/>
+                            </p:stCondLst>
+                            <p:childTnLst>
+                              <p:par>
+                                <p:cTn id="5" presetID="10" presetClass="entr" presetSubtype="0" fill="hold" grpId="0" nodeType="withEffect">
+                                  <p:stCondLst>
+                                    <p:cond delay="0"/>
+                                  </p:stCondLst>
+                                  <p:childTnLst>
+                                    <p:set>
+                                      <p:cBhvr>
+                                        <p:cTn id="6" dur="1" fill="hold">
+                                          <p:stCondLst>
+                                            <p:cond delay="0"/>
+                                          </p:stCondLst>
+                                        </p:cTn>
+                                        <p:tgtEl>
+                                          <p:spTgt spid="2"/>
+                                        </p:tgtEl>
+                                        <p:attrNameLst>
+                                          <p:attrName>style.visibility</p:attrName>
+                                        </p:attrNameLst>
+                                      </p:cBhvr>
+                                      <p:to>
+                                        <p:strVal val="visible"/>
+                                      </p:to>
+                                    </p:set>
+                                    <p:animEffect transition="in" filter="fade">
+                                      <p:cBhvr>
+                                        <p:cTn id="7" dur="500"/>
+                                        <p:tgtEl>
+                                          <p:spTgt spid="2"/>
+                                        </p:tgtEl>
+                                      </p:cBhvr>
+                                    </p:animEffect>
+                                  </p:childTnLst>
+                                </p:cTn>
+                              </p:par>
+                            </p:childTnLst>
+                          </p:cTn>
+                        </p:par>
+                      </p:childTnLst>
+                    </p:cTn>
+                  </p:par>
+                </p:childTnLst>
+              </p:cTn>
+              <p:prevCondLst>
+                <p:cond evt="onPrev" delay="0">
+                  <p:tgtEl>
+                    <p:sldTgt/>
+                  </p:tgtEl>
+                </p:cond>
+              </p:prevCondLst>
+              <p:nextCondLst>
+                <p:cond evt="onNext" delay="0">
+                  <p:tgtEl>
+                    <p:sldTgt/>
+                  </p:tgtEl>
+                </p:cond>
+              </p:nextCondLst>
+            </p:seq>
+          </p:childTnLst>
+        </p:cTn>
+      </p:par>
+    </p:tnLst>
+    <p:bldLst>
+      <p:bldP spid="2" grpId="0"/>
+    </p:bldLst>
+  </p:timing>
 </p:sld>
 </file>
 
